--- a/notes/sorting.pptx
+++ b/notes/sorting.pptx
@@ -226,7 +226,7 @@
           <a:p>
             <a:fld id="{8A1B613A-EFF1-404F-BEE8-EFAE84A4E5E2}" type="datetimeFigureOut">
               <a:rPr lang="en-US" smtClean="0"/>
-              <a:t>2/17/22</a:t>
+              <a:t>1/25/2023</a:t>
             </a:fld>
             <a:endParaRPr lang="en-US"/>
           </a:p>
@@ -391,7 +391,7 @@
           <a:p>
             <a:fld id="{690847EA-AC25-3D4E-89E1-FD3F6A9702B6}" type="datetimeFigureOut">
               <a:rPr lang="en-US" smtClean="0"/>
-              <a:t>2/17/22</a:t>
+              <a:t>1/25/2023</a:t>
             </a:fld>
             <a:endParaRPr lang="en-US"/>
           </a:p>
@@ -805,7 +805,7 @@
           <a:p>
             <a:fld id="{BE5295ED-3BAF-1140-8495-3D368771D6B1}" type="datetimeFigureOut">
               <a:rPr lang="en-US" smtClean="0"/>
-              <a:t>2/17/22</a:t>
+              <a:t>1/25/2023</a:t>
             </a:fld>
             <a:endParaRPr lang="en-US"/>
           </a:p>
@@ -1003,7 +1003,7 @@
           <a:p>
             <a:fld id="{BE5295ED-3BAF-1140-8495-3D368771D6B1}" type="datetimeFigureOut">
               <a:rPr lang="en-US" smtClean="0"/>
-              <a:t>2/17/22</a:t>
+              <a:t>1/25/2023</a:t>
             </a:fld>
             <a:endParaRPr lang="en-US"/>
           </a:p>
@@ -1211,7 +1211,7 @@
           <a:p>
             <a:fld id="{BE5295ED-3BAF-1140-8495-3D368771D6B1}" type="datetimeFigureOut">
               <a:rPr lang="en-US" smtClean="0"/>
-              <a:t>2/17/22</a:t>
+              <a:t>1/25/2023</a:t>
             </a:fld>
             <a:endParaRPr lang="en-US"/>
           </a:p>
@@ -1409,7 +1409,7 @@
           <a:p>
             <a:fld id="{BE5295ED-3BAF-1140-8495-3D368771D6B1}" type="datetimeFigureOut">
               <a:rPr lang="en-US" smtClean="0"/>
-              <a:t>2/17/22</a:t>
+              <a:t>1/25/2023</a:t>
             </a:fld>
             <a:endParaRPr lang="en-US"/>
           </a:p>
@@ -1684,7 +1684,7 @@
           <a:p>
             <a:fld id="{BE5295ED-3BAF-1140-8495-3D368771D6B1}" type="datetimeFigureOut">
               <a:rPr lang="en-US" smtClean="0"/>
-              <a:t>2/17/22</a:t>
+              <a:t>1/25/2023</a:t>
             </a:fld>
             <a:endParaRPr lang="en-US"/>
           </a:p>
@@ -1949,7 +1949,7 @@
           <a:p>
             <a:fld id="{BE5295ED-3BAF-1140-8495-3D368771D6B1}" type="datetimeFigureOut">
               <a:rPr lang="en-US" smtClean="0"/>
-              <a:t>2/17/22</a:t>
+              <a:t>1/25/2023</a:t>
             </a:fld>
             <a:endParaRPr lang="en-US"/>
           </a:p>
@@ -2361,7 +2361,7 @@
           <a:p>
             <a:fld id="{BE5295ED-3BAF-1140-8495-3D368771D6B1}" type="datetimeFigureOut">
               <a:rPr lang="en-US" smtClean="0"/>
-              <a:t>2/17/22</a:t>
+              <a:t>1/25/2023</a:t>
             </a:fld>
             <a:endParaRPr lang="en-US"/>
           </a:p>
@@ -2502,7 +2502,7 @@
           <a:p>
             <a:fld id="{BE5295ED-3BAF-1140-8495-3D368771D6B1}" type="datetimeFigureOut">
               <a:rPr lang="en-US" smtClean="0"/>
-              <a:t>2/17/22</a:t>
+              <a:t>1/25/2023</a:t>
             </a:fld>
             <a:endParaRPr lang="en-US"/>
           </a:p>
@@ -2615,7 +2615,7 @@
           <a:p>
             <a:fld id="{BE5295ED-3BAF-1140-8495-3D368771D6B1}" type="datetimeFigureOut">
               <a:rPr lang="en-US" smtClean="0"/>
-              <a:t>2/17/22</a:t>
+              <a:t>1/25/2023</a:t>
             </a:fld>
             <a:endParaRPr lang="en-US"/>
           </a:p>
@@ -2926,7 +2926,7 @@
           <a:p>
             <a:fld id="{BE5295ED-3BAF-1140-8495-3D368771D6B1}" type="datetimeFigureOut">
               <a:rPr lang="en-US" smtClean="0"/>
-              <a:t>2/17/22</a:t>
+              <a:t>1/25/2023</a:t>
             </a:fld>
             <a:endParaRPr lang="en-US"/>
           </a:p>
@@ -3217,7 +3217,7 @@
           <a:p>
             <a:fld id="{BE5295ED-3BAF-1140-8495-3D368771D6B1}" type="datetimeFigureOut">
               <a:rPr lang="en-US" smtClean="0"/>
-              <a:t>2/17/22</a:t>
+              <a:t>1/25/2023</a:t>
             </a:fld>
             <a:endParaRPr lang="en-US"/>
           </a:p>
@@ -3458,7 +3458,7 @@
           <a:p>
             <a:fld id="{BE5295ED-3BAF-1140-8495-3D368771D6B1}" type="datetimeFigureOut">
               <a:rPr lang="en-US" smtClean="0"/>
-              <a:t>2/17/22</a:t>
+              <a:t>1/25/2023</a:t>
             </a:fld>
             <a:endParaRPr lang="en-US"/>
           </a:p>
@@ -4005,9 +4005,10 @@
           <a:lstStyle/>
           <a:p>
             <a:r>
-              <a:rPr lang="en-US" dirty="0"/>
-              <a:t>Terence Parr</a:t>
-            </a:r>
+              <a:rPr lang="en-US"/>
+              <a:t>Mustafa Hajij</a:t>
+            </a:r>
+            <a:endParaRPr lang="en-US" dirty="0"/>
           </a:p>
           <a:p>
             <a:r>
@@ -6960,12 +6961,9 @@
               <a:rPr lang="en-US" dirty="0">
                 <a:hlinkClick r:id="rId2"/>
               </a:rPr>
-              <a:t>https://github.com/parrt/msds689/blob/master/notes/sorting.ipynb</a:t>
-            </a:r>
-            <a:r>
-              <a:rPr lang="en-US" dirty="0"/>
-              <a:t> </a:t>
-            </a:r>
+              <a:t>https://github.com/USFCA-MSDS/msds689/blob/master/notes/sorting.ipynb</a:t>
+            </a:r>
+            <a:endParaRPr lang="en-US" dirty="0"/>
           </a:p>
           <a:p>
             <a:endParaRPr lang="en-US" dirty="0"/>
@@ -8264,7 +8262,7 @@
         <p:spPr>
           <a:xfrm>
             <a:off x="0" y="6461373"/>
-            <a:ext cx="7752443" cy="338554"/>
+            <a:ext cx="7204216" cy="553998"/>
           </a:xfrm>
           <a:prstGeom prst="rect">
             <a:avLst/>
@@ -8278,19 +8276,19 @@
           <a:lstStyle/>
           <a:p>
             <a:r>
-              <a:rPr lang="en-US" sz="1600" dirty="0"/>
+              <a:rPr lang="en-US" sz="1050" dirty="0"/>
               <a:t>Sorting notebook </a:t>
             </a:r>
             <a:r>
-              <a:rPr lang="en-US" sz="1600" dirty="0">
+              <a:rPr lang="en-US" sz="1400" dirty="0">
                 <a:hlinkClick r:id="rId5"/>
               </a:rPr>
-              <a:t>https://github.com/parrt/msds689/blob/master/notes/sorting.ipynb</a:t>
-            </a:r>
-            <a:r>
-              <a:rPr lang="en-US" sz="1600" dirty="0"/>
-              <a:t> </a:t>
-            </a:r>
+              <a:t>https://github.com/USFCA-MSDS/msds689/blob/master/notes/sorting.ipynb</a:t>
+            </a:r>
+            <a:endParaRPr lang="en-US" sz="1400" dirty="0"/>
+          </a:p>
+          <a:p>
+            <a:endParaRPr lang="en-US" sz="1600" dirty="0"/>
           </a:p>
         </p:txBody>
       </p:sp>
@@ -8507,8 +8505,8 @@
           </a:p>
         </p:txBody>
       </p:sp>
-      <mc:AlternateContent xmlns:mc="http://schemas.openxmlformats.org/markup-compatibility/2006">
-        <mc:Choice xmlns:a14="http://schemas.microsoft.com/office/drawing/2010/main" Requires="a14">
+      <mc:AlternateContent xmlns:mc="http://schemas.openxmlformats.org/markup-compatibility/2006" xmlns:a14="http://schemas.microsoft.com/office/drawing/2010/main">
+        <mc:Choice Requires="a14">
           <p:sp>
             <p:nvSpPr>
               <p:cNvPr id="3" name="Content Placeholder 2"/>
@@ -8641,7 +8639,7 @@
             </p:txBody>
           </p:sp>
         </mc:Choice>
-        <mc:Fallback>
+        <mc:Fallback xmlns="">
           <p:sp>
             <p:nvSpPr>
               <p:cNvPr id="3" name="Content Placeholder 2"/>
@@ -8681,10 +8679,10 @@
       </mc:AlternateContent>
       <p:sp>
         <p:nvSpPr>
-          <p:cNvPr id="4" name="TextBox 3">
-            <a:extLst>
-              <a:ext uri="{FF2B5EF4-FFF2-40B4-BE49-F238E27FC236}">
-                <a16:creationId xmlns:a16="http://schemas.microsoft.com/office/drawing/2014/main" id="{D7393A41-BAED-EC46-A96B-DCF390412358}"/>
+          <p:cNvPr id="5" name="TextBox 4">
+            <a:extLst>
+              <a:ext uri="{FF2B5EF4-FFF2-40B4-BE49-F238E27FC236}">
+                <a16:creationId xmlns:a16="http://schemas.microsoft.com/office/drawing/2014/main" id="{242C9BE1-1A44-29E1-32BE-16D5AD9B0E1F}"/>
               </a:ext>
             </a:extLst>
           </p:cNvPr>
@@ -8693,8 +8691,8 @@
         </p:nvSpPr>
         <p:spPr>
           <a:xfrm>
-            <a:off x="97277" y="6342435"/>
-            <a:ext cx="7752443" cy="338554"/>
+            <a:off x="0" y="6461373"/>
+            <a:ext cx="7204216" cy="553998"/>
           </a:xfrm>
           <a:prstGeom prst="rect">
             <a:avLst/>
@@ -8708,19 +8706,19 @@
           <a:lstStyle/>
           <a:p>
             <a:r>
-              <a:rPr lang="en-US" sz="1600" dirty="0"/>
+              <a:rPr lang="en-US" sz="1050" dirty="0"/>
               <a:t>Sorting notebook </a:t>
             </a:r>
             <a:r>
-              <a:rPr lang="en-US" sz="1600" dirty="0">
+              <a:rPr lang="en-US" sz="1400" dirty="0">
                 <a:hlinkClick r:id="rId3"/>
               </a:rPr>
-              <a:t>https://github.com/parrt/msds689/blob/master/notes/sorting.ipynb</a:t>
-            </a:r>
-            <a:r>
-              <a:rPr lang="en-US" sz="1600" dirty="0"/>
-              <a:t> </a:t>
-            </a:r>
+              <a:t>https://github.com/USFCA-MSDS/msds689/blob/master/notes/sorting.ipynb</a:t>
+            </a:r>
+            <a:endParaRPr lang="en-US" sz="1400" dirty="0"/>
+          </a:p>
+          <a:p>
+            <a:endParaRPr lang="en-US" sz="1600" dirty="0"/>
           </a:p>
         </p:txBody>
       </p:sp>

--- a/notes/sorting.pptx
+++ b/notes/sorting.pptx
@@ -5,10 +5,10 @@
     <p:sldMasterId id="2147483672" r:id="rId1"/>
   </p:sldMasterIdLst>
   <p:notesMasterIdLst>
-    <p:notesMasterId r:id="rId23"/>
+    <p:notesMasterId r:id="rId16"/>
   </p:notesMasterIdLst>
   <p:handoutMasterIdLst>
-    <p:handoutMasterId r:id="rId24"/>
+    <p:handoutMasterId r:id="rId17"/>
   </p:handoutMasterIdLst>
   <p:sldIdLst>
     <p:sldId id="256" r:id="rId2"/>
@@ -24,14 +24,7 @@
     <p:sldId id="300" r:id="rId12"/>
     <p:sldId id="307" r:id="rId13"/>
     <p:sldId id="302" r:id="rId14"/>
-    <p:sldId id="295" r:id="rId15"/>
-    <p:sldId id="303" r:id="rId16"/>
-    <p:sldId id="296" r:id="rId17"/>
-    <p:sldId id="297" r:id="rId18"/>
-    <p:sldId id="298" r:id="rId19"/>
-    <p:sldId id="304" r:id="rId20"/>
-    <p:sldId id="299" r:id="rId21"/>
-    <p:sldId id="305" r:id="rId22"/>
+    <p:sldId id="305" r:id="rId15"/>
   </p:sldIdLst>
   <p:sldSz cx="12192000" cy="6858000"/>
   <p:notesSz cx="9144000" cy="6858000"/>
@@ -226,7 +219,7 @@
           <a:p>
             <a:fld id="{8A1B613A-EFF1-404F-BEE8-EFAE84A4E5E2}" type="datetimeFigureOut">
               <a:rPr lang="en-US" smtClean="0"/>
-              <a:t>1/25/2023</a:t>
+              <a:t>2/15/2023</a:t>
             </a:fld>
             <a:endParaRPr lang="en-US"/>
           </a:p>
@@ -391,7 +384,7 @@
           <a:p>
             <a:fld id="{690847EA-AC25-3D4E-89E1-FD3F6A9702B6}" type="datetimeFigureOut">
               <a:rPr lang="en-US" smtClean="0"/>
-              <a:t>1/25/2023</a:t>
+              <a:t>2/15/2023</a:t>
             </a:fld>
             <a:endParaRPr lang="en-US"/>
           </a:p>
@@ -805,7 +798,7 @@
           <a:p>
             <a:fld id="{BE5295ED-3BAF-1140-8495-3D368771D6B1}" type="datetimeFigureOut">
               <a:rPr lang="en-US" smtClean="0"/>
-              <a:t>1/25/2023</a:t>
+              <a:t>2/15/2023</a:t>
             </a:fld>
             <a:endParaRPr lang="en-US"/>
           </a:p>
@@ -1003,7 +996,7 @@
           <a:p>
             <a:fld id="{BE5295ED-3BAF-1140-8495-3D368771D6B1}" type="datetimeFigureOut">
               <a:rPr lang="en-US" smtClean="0"/>
-              <a:t>1/25/2023</a:t>
+              <a:t>2/15/2023</a:t>
             </a:fld>
             <a:endParaRPr lang="en-US"/>
           </a:p>
@@ -1211,7 +1204,7 @@
           <a:p>
             <a:fld id="{BE5295ED-3BAF-1140-8495-3D368771D6B1}" type="datetimeFigureOut">
               <a:rPr lang="en-US" smtClean="0"/>
-              <a:t>1/25/2023</a:t>
+              <a:t>2/15/2023</a:t>
             </a:fld>
             <a:endParaRPr lang="en-US"/>
           </a:p>
@@ -1409,7 +1402,7 @@
           <a:p>
             <a:fld id="{BE5295ED-3BAF-1140-8495-3D368771D6B1}" type="datetimeFigureOut">
               <a:rPr lang="en-US" smtClean="0"/>
-              <a:t>1/25/2023</a:t>
+              <a:t>2/15/2023</a:t>
             </a:fld>
             <a:endParaRPr lang="en-US"/>
           </a:p>
@@ -1684,7 +1677,7 @@
           <a:p>
             <a:fld id="{BE5295ED-3BAF-1140-8495-3D368771D6B1}" type="datetimeFigureOut">
               <a:rPr lang="en-US" smtClean="0"/>
-              <a:t>1/25/2023</a:t>
+              <a:t>2/15/2023</a:t>
             </a:fld>
             <a:endParaRPr lang="en-US"/>
           </a:p>
@@ -1949,7 +1942,7 @@
           <a:p>
             <a:fld id="{BE5295ED-3BAF-1140-8495-3D368771D6B1}" type="datetimeFigureOut">
               <a:rPr lang="en-US" smtClean="0"/>
-              <a:t>1/25/2023</a:t>
+              <a:t>2/15/2023</a:t>
             </a:fld>
             <a:endParaRPr lang="en-US"/>
           </a:p>
@@ -2361,7 +2354,7 @@
           <a:p>
             <a:fld id="{BE5295ED-3BAF-1140-8495-3D368771D6B1}" type="datetimeFigureOut">
               <a:rPr lang="en-US" smtClean="0"/>
-              <a:t>1/25/2023</a:t>
+              <a:t>2/15/2023</a:t>
             </a:fld>
             <a:endParaRPr lang="en-US"/>
           </a:p>
@@ -2502,7 +2495,7 @@
           <a:p>
             <a:fld id="{BE5295ED-3BAF-1140-8495-3D368771D6B1}" type="datetimeFigureOut">
               <a:rPr lang="en-US" smtClean="0"/>
-              <a:t>1/25/2023</a:t>
+              <a:t>2/15/2023</a:t>
             </a:fld>
             <a:endParaRPr lang="en-US"/>
           </a:p>
@@ -2615,7 +2608,7 @@
           <a:p>
             <a:fld id="{BE5295ED-3BAF-1140-8495-3D368771D6B1}" type="datetimeFigureOut">
               <a:rPr lang="en-US" smtClean="0"/>
-              <a:t>1/25/2023</a:t>
+              <a:t>2/15/2023</a:t>
             </a:fld>
             <a:endParaRPr lang="en-US"/>
           </a:p>
@@ -2926,7 +2919,7 @@
           <a:p>
             <a:fld id="{BE5295ED-3BAF-1140-8495-3D368771D6B1}" type="datetimeFigureOut">
               <a:rPr lang="en-US" smtClean="0"/>
-              <a:t>1/25/2023</a:t>
+              <a:t>2/15/2023</a:t>
             </a:fld>
             <a:endParaRPr lang="en-US"/>
           </a:p>
@@ -3217,7 +3210,7 @@
           <a:p>
             <a:fld id="{BE5295ED-3BAF-1140-8495-3D368771D6B1}" type="datetimeFigureOut">
               <a:rPr lang="en-US" smtClean="0"/>
-              <a:t>1/25/2023</a:t>
+              <a:t>2/15/2023</a:t>
             </a:fld>
             <a:endParaRPr lang="en-US"/>
           </a:p>
@@ -3458,7 +3451,7 @@
           <a:p>
             <a:fld id="{BE5295ED-3BAF-1140-8495-3D368771D6B1}" type="datetimeFigureOut">
               <a:rPr lang="en-US" smtClean="0"/>
-              <a:t>1/25/2023</a:t>
+              <a:t>2/15/2023</a:t>
             </a:fld>
             <a:endParaRPr lang="en-US"/>
           </a:p>
@@ -5043,7 +5036,13 @@
       </p:grpSpPr>
       <p:sp>
         <p:nvSpPr>
-          <p:cNvPr id="2" name="Title 1"/>
+          <p:cNvPr id="2" name="Title 1">
+            <a:extLst>
+              <a:ext uri="{FF2B5EF4-FFF2-40B4-BE49-F238E27FC236}">
+                <a16:creationId xmlns:a16="http://schemas.microsoft.com/office/drawing/2014/main" id="{F0447EFA-2E53-D34A-BCEE-17B93844FBC5}"/>
+              </a:ext>
+            </a:extLst>
+          </p:cNvPr>
           <p:cNvSpPr>
             <a:spLocks noGrp="1"/>
           </p:cNvSpPr>
@@ -5058,14 +5057,20 @@
           <a:p>
             <a:r>
               <a:rPr lang="en-US" dirty="0"/>
-              <a:t> Bucket sort (also called bin sort)</a:t>
-            </a:r>
-          </a:p>
-        </p:txBody>
-      </p:sp>
-      <p:sp>
-        <p:nvSpPr>
-          <p:cNvPr id="3" name="Content Placeholder 2"/>
+              <a:t>Summary</a:t>
+            </a:r>
+          </a:p>
+        </p:txBody>
+      </p:sp>
+      <p:sp>
+        <p:nvSpPr>
+          <p:cNvPr id="3" name="Content Placeholder 2">
+            <a:extLst>
+              <a:ext uri="{FF2B5EF4-FFF2-40B4-BE49-F238E27FC236}">
+                <a16:creationId xmlns:a16="http://schemas.microsoft.com/office/drawing/2014/main" id="{4FD4FB41-6B9C-9246-B33F-7B7BE6CD439A}"/>
+              </a:ext>
+            </a:extLst>
+          </p:cNvPr>
           <p:cNvSpPr>
             <a:spLocks noGrp="1"/>
           </p:cNvSpPr>
@@ -5073,1759 +5078,54 @@
             <p:ph idx="1"/>
           </p:nvPr>
         </p:nvSpPr>
-        <p:spPr>
-          <a:xfrm>
-            <a:off x="838200" y="1605064"/>
-            <a:ext cx="10515600" cy="4571899"/>
-          </a:xfrm>
-        </p:spPr>
+        <p:spPr/>
         <p:txBody>
           <a:bodyPr>
-            <a:normAutofit fontScale="92500"/>
+            <a:normAutofit/>
           </a:bodyPr>
           <a:lstStyle/>
           <a:p>
             <a:r>
               <a:rPr lang="en-US" dirty="0"/>
-              <a:t>Idea: distribute </a:t>
-            </a:r>
-            <a:r>
-              <a:rPr lang="en-US" i="1" dirty="0"/>
-              <a:t>n</a:t>
-            </a:r>
+              <a:t>If asked, sorting is O(n log n) (via comparisons)</a:t>
+            </a:r>
+          </a:p>
+          <a:p>
             <a:r>
               <a:rPr lang="en-US" dirty="0"/>
-              <a:t> elements across </a:t>
-            </a:r>
-            <a:r>
-              <a:rPr lang="en-US" i="1" dirty="0"/>
-              <a:t>m</a:t>
+              <a:t>Divide and conquer, merge and quicksort, are primary algorithms</a:t>
+            </a:r>
+          </a:p>
+          <a:p>
+            <a:pPr lvl="1"/>
+            <a:r>
+              <a:rPr lang="en-US" dirty="0" err="1"/>
+              <a:t>Mergesort</a:t>
             </a:r>
             <a:r>
               <a:rPr lang="en-US" dirty="0"/>
-              <a:t> buckets, sort elements within buckets, then concatenate elements from buckets in order</a:t>
-            </a:r>
-            <a:br>
+              <a:t> merges two sorted halves recursively; takes extra memory</a:t>
+            </a:r>
+          </a:p>
+          <a:p>
+            <a:pPr lvl="1"/>
+            <a:r>
               <a:rPr lang="en-US" dirty="0"/>
-            </a:br>
-            <a:endParaRPr lang="en-US" dirty="0"/>
-          </a:p>
-          <a:p>
-            <a:endParaRPr lang="en-US" dirty="0"/>
-          </a:p>
-          <a:p>
-            <a:endParaRPr lang="en-US" dirty="0"/>
-          </a:p>
-          <a:p>
-            <a:endParaRPr lang="en-US" dirty="0"/>
+              <a:t>Quicksort partitions instead of sorting halves; works in-place (usually better)</a:t>
+            </a:r>
           </a:p>
           <a:p>
             <a:r>
               <a:rPr lang="en-US" dirty="0"/>
-              <a:t>Hash must preserve order of values!</a:t>
-            </a:r>
-          </a:p>
-          <a:p>
-            <a:r>
-              <a:rPr lang="en-US" dirty="0"/>
-              <a:t>Similar to pigeonhole sort but pigeonhole has 1 key per bucket</a:t>
-            </a:r>
-          </a:p>
-          <a:p>
-            <a:r>
-              <a:rPr lang="en-US" dirty="0"/>
-              <a:t>Best when there is even distribution of values like hash table</a:t>
-            </a:r>
-          </a:p>
-          <a:p>
-            <a:r>
-              <a:rPr lang="en-US" dirty="0"/>
-              <a:t>Works for floats not just </a:t>
-            </a:r>
-            <a:r>
-              <a:rPr lang="en-US" dirty="0" err="1"/>
-              <a:t>ints</a:t>
-            </a:r>
-            <a:r>
-              <a:rPr lang="en-US" dirty="0"/>
-              <a:t>; see notebook for implementation</a:t>
-            </a:r>
-          </a:p>
-        </p:txBody>
-      </p:sp>
-      <p:sp>
-        <p:nvSpPr>
-          <p:cNvPr id="4" name="Rectangle 3"/>
-          <p:cNvSpPr/>
-          <p:nvPr/>
-        </p:nvSpPr>
-        <p:spPr>
-          <a:xfrm>
-            <a:off x="-29817" y="6513393"/>
-            <a:ext cx="6904454" cy="369332"/>
-          </a:xfrm>
-          <a:prstGeom prst="rect">
-            <a:avLst/>
-          </a:prstGeom>
-        </p:spPr>
-        <p:txBody>
-          <a:bodyPr wrap="none">
-            <a:spAutoFit/>
-          </a:bodyPr>
-          <a:lstStyle/>
-          <a:p>
-            <a:r>
-              <a:rPr lang="en-US" dirty="0"/>
-              <a:t>See sorting notebook and </a:t>
-            </a:r>
-            <a:r>
-              <a:rPr lang="en-US" dirty="0">
-                <a:hlinkClick r:id="rId2"/>
-              </a:rPr>
-              <a:t>https://en.wikipedia.org/wiki/Bucket_sort</a:t>
-            </a:r>
-            <a:endParaRPr lang="en-US" dirty="0"/>
-          </a:p>
-        </p:txBody>
-      </p:sp>
-      <p:sp>
-        <p:nvSpPr>
-          <p:cNvPr id="8" name="Right Arrow 7"/>
-          <p:cNvSpPr/>
-          <p:nvPr/>
-        </p:nvSpPr>
-        <p:spPr>
-          <a:xfrm>
-            <a:off x="5589134" y="3059203"/>
-            <a:ext cx="521785" cy="458017"/>
-          </a:xfrm>
-          <a:prstGeom prst="rightArrow">
-            <a:avLst/>
-          </a:prstGeom>
-        </p:spPr>
-        <p:style>
-          <a:lnRef idx="2">
-            <a:schemeClr val="accent1">
-              <a:shade val="50000"/>
-            </a:schemeClr>
-          </a:lnRef>
-          <a:fillRef idx="1">
-            <a:schemeClr val="accent1"/>
-          </a:fillRef>
-          <a:effectRef idx="0">
-            <a:schemeClr val="accent1"/>
-          </a:effectRef>
-          <a:fontRef idx="minor">
-            <a:schemeClr val="lt1"/>
-          </a:fontRef>
-        </p:style>
-        <p:txBody>
-          <a:bodyPr rtlCol="0" anchor="ctr"/>
-          <a:lstStyle/>
-          <a:p>
-            <a:pPr algn="ctr"/>
-            <a:endParaRPr lang="en-US"/>
-          </a:p>
-        </p:txBody>
-      </p:sp>
-      <p:pic>
-        <p:nvPicPr>
-          <p:cNvPr id="7" name="Picture 6">
-            <a:extLst>
-              <a:ext uri="{FF2B5EF4-FFF2-40B4-BE49-F238E27FC236}">
-                <a16:creationId xmlns:a16="http://schemas.microsoft.com/office/drawing/2014/main" id="{F049B3E3-9305-B642-9989-9A9C5E3F49C4}"/>
-              </a:ext>
-            </a:extLst>
-          </p:cNvPr>
-          <p:cNvPicPr>
-            <a:picLocks noChangeAspect="1"/>
-          </p:cNvPicPr>
-          <p:nvPr/>
-        </p:nvPicPr>
-        <p:blipFill>
-          <a:blip r:embed="rId3"/>
-          <a:stretch>
-            <a:fillRect/>
-          </a:stretch>
-        </p:blipFill>
-        <p:spPr>
-          <a:xfrm>
-            <a:off x="1454555" y="2386511"/>
-            <a:ext cx="3835400" cy="1803400"/>
-          </a:xfrm>
-          <a:prstGeom prst="rect">
-            <a:avLst/>
-          </a:prstGeom>
-        </p:spPr>
-      </p:pic>
-      <p:pic>
-        <p:nvPicPr>
-          <p:cNvPr id="10" name="Picture 9">
-            <a:extLst>
-              <a:ext uri="{FF2B5EF4-FFF2-40B4-BE49-F238E27FC236}">
-                <a16:creationId xmlns:a16="http://schemas.microsoft.com/office/drawing/2014/main" id="{940BF739-7BE5-F24D-B4F8-A2DBEEEB66C3}"/>
-              </a:ext>
-            </a:extLst>
-          </p:cNvPr>
-          <p:cNvPicPr>
-            <a:picLocks noChangeAspect="1"/>
-          </p:cNvPicPr>
-          <p:nvPr/>
-        </p:nvPicPr>
-        <p:blipFill>
-          <a:blip r:embed="rId4"/>
-          <a:stretch>
-            <a:fillRect/>
-          </a:stretch>
-        </p:blipFill>
-        <p:spPr>
-          <a:xfrm>
-            <a:off x="6295957" y="2888570"/>
-            <a:ext cx="3860800" cy="1257300"/>
-          </a:xfrm>
-          <a:prstGeom prst="rect">
-            <a:avLst/>
-          </a:prstGeom>
-        </p:spPr>
-      </p:pic>
+              <a:t>But, we can do better with pigeonhole sort, mapping each element to unique bucket based on the key; O(n)</a:t>
+            </a:r>
+          </a:p>
+        </p:txBody>
+      </p:sp>
     </p:spTree>
     <p:extLst>
       <p:ext uri="{BB962C8B-B14F-4D97-AF65-F5344CB8AC3E}">
-        <p14:creationId xmlns:p14="http://schemas.microsoft.com/office/powerpoint/2010/main" val="134092240"/>
-      </p:ext>
-    </p:extLst>
-  </p:cSld>
-  <p:clrMapOvr>
-    <a:masterClrMapping/>
-  </p:clrMapOvr>
-</p:sld>
-</file>
-
-<file path=ppt/slides/slide15.xml><?xml version="1.0" encoding="utf-8"?>
-<p:sld xmlns:a="http://schemas.openxmlformats.org/drawingml/2006/main" xmlns:r="http://schemas.openxmlformats.org/officeDocument/2006/relationships" xmlns:p="http://schemas.openxmlformats.org/presentationml/2006/main">
-  <p:cSld>
-    <p:spTree>
-      <p:nvGrpSpPr>
-        <p:cNvPr id="1" name=""/>
-        <p:cNvGrpSpPr/>
-        <p:nvPr/>
-      </p:nvGrpSpPr>
-      <p:grpSpPr>
-        <a:xfrm>
-          <a:off x="0" y="0"/>
-          <a:ext cx="0" cy="0"/>
-          <a:chOff x="0" y="0"/>
-          <a:chExt cx="0" cy="0"/>
-        </a:xfrm>
-      </p:grpSpPr>
-      <p:sp>
-        <p:nvSpPr>
-          <p:cNvPr id="2" name="Title 1">
-            <a:extLst>
-              <a:ext uri="{FF2B5EF4-FFF2-40B4-BE49-F238E27FC236}">
-                <a16:creationId xmlns:a16="http://schemas.microsoft.com/office/drawing/2014/main" id="{CF1B376E-B2BB-3F46-8059-F190831F0552}"/>
-              </a:ext>
-            </a:extLst>
-          </p:cNvPr>
-          <p:cNvSpPr>
-            <a:spLocks noGrp="1"/>
-          </p:cNvSpPr>
-          <p:nvPr>
-            <p:ph type="title"/>
-          </p:nvPr>
-        </p:nvSpPr>
-        <p:spPr/>
-        <p:txBody>
-          <a:bodyPr/>
-          <a:lstStyle/>
-          <a:p>
-            <a:r>
-              <a:rPr lang="en-US" dirty="0"/>
-              <a:t>Key bits of bucket sort algorithm</a:t>
-            </a:r>
-          </a:p>
-        </p:txBody>
-      </p:sp>
-      <p:sp>
-        <p:nvSpPr>
-          <p:cNvPr id="5" name="TextBox 4">
-            <a:extLst>
-              <a:ext uri="{FF2B5EF4-FFF2-40B4-BE49-F238E27FC236}">
-                <a16:creationId xmlns:a16="http://schemas.microsoft.com/office/drawing/2014/main" id="{5E8E87CF-0C9C-5B47-AA6F-8CAC80FA24BB}"/>
-              </a:ext>
-            </a:extLst>
-          </p:cNvPr>
-          <p:cNvSpPr txBox="1"/>
-          <p:nvPr/>
-        </p:nvSpPr>
-        <p:spPr>
-          <a:xfrm>
-            <a:off x="731194" y="1690688"/>
-            <a:ext cx="10406975" cy="3477875"/>
-          </a:xfrm>
-          <a:prstGeom prst="rect">
-            <a:avLst/>
-          </a:prstGeom>
-          <a:noFill/>
-          <a:ln>
-            <a:solidFill>
-              <a:schemeClr val="accent1"/>
-            </a:solidFill>
-          </a:ln>
-        </p:spPr>
-        <p:txBody>
-          <a:bodyPr wrap="square" rtlCol="0">
-            <a:spAutoFit/>
-          </a:bodyPr>
-          <a:lstStyle/>
-          <a:p>
-            <a:r>
-              <a:rPr lang="en-US" sz="2200" dirty="0">
-                <a:latin typeface="Monaco" pitchFamily="2" charset="77"/>
-              </a:rPr>
-              <a:t>mx = max(A)</a:t>
-            </a:r>
-          </a:p>
-          <a:p>
-            <a:r>
-              <a:rPr lang="en-US" sz="2200" dirty="0">
-                <a:latin typeface="Monaco" pitchFamily="2" charset="77"/>
-              </a:rPr>
-              <a:t>…</a:t>
-            </a:r>
-          </a:p>
-          <a:p>
-            <a:r>
-              <a:rPr lang="en-US" sz="2200" dirty="0">
-                <a:latin typeface="Monaco" pitchFamily="2" charset="77"/>
-              </a:rPr>
-              <a:t>for a in A:</a:t>
-            </a:r>
-          </a:p>
-          <a:p>
-            <a:r>
-              <a:rPr lang="en-US" sz="2200" dirty="0">
-                <a:latin typeface="Monaco" pitchFamily="2" charset="77"/>
-              </a:rPr>
-              <a:t>    </a:t>
-            </a:r>
-            <a:r>
-              <a:rPr lang="en-US" sz="2200" dirty="0" err="1">
-                <a:latin typeface="Monaco" pitchFamily="2" charset="77"/>
-              </a:rPr>
-              <a:t>a_normalized</a:t>
-            </a:r>
-            <a:r>
-              <a:rPr lang="en-US" sz="2200" dirty="0">
-                <a:latin typeface="Monaco" pitchFamily="2" charset="77"/>
-              </a:rPr>
-              <a:t> = a / mx # get into 0..1</a:t>
-            </a:r>
-          </a:p>
-          <a:p>
-            <a:r>
-              <a:rPr lang="en-US" sz="2200" dirty="0">
-                <a:latin typeface="Monaco" pitchFamily="2" charset="77"/>
-              </a:rPr>
-              <a:t>    # spread across buckets</a:t>
-            </a:r>
-          </a:p>
-          <a:p>
-            <a:r>
-              <a:rPr lang="en-US" sz="2200" dirty="0">
-                <a:latin typeface="Monaco" pitchFamily="2" charset="77"/>
-              </a:rPr>
-              <a:t>    </a:t>
-            </a:r>
-            <a:r>
-              <a:rPr lang="en-US" sz="2200" dirty="0" err="1">
-                <a:latin typeface="Monaco" pitchFamily="2" charset="77"/>
-              </a:rPr>
-              <a:t>i</a:t>
-            </a:r>
-            <a:r>
-              <a:rPr lang="en-US" sz="2200" dirty="0">
-                <a:latin typeface="Monaco" pitchFamily="2" charset="77"/>
-              </a:rPr>
-              <a:t> = int(</a:t>
-            </a:r>
-            <a:r>
-              <a:rPr lang="en-US" sz="2200" dirty="0" err="1">
-                <a:latin typeface="Monaco" pitchFamily="2" charset="77"/>
-              </a:rPr>
-              <a:t>a_normalized</a:t>
-            </a:r>
-            <a:r>
-              <a:rPr lang="en-US" sz="2200" dirty="0">
-                <a:latin typeface="Monaco" pitchFamily="2" charset="77"/>
-              </a:rPr>
-              <a:t> * (nbuckets-1)) </a:t>
-            </a:r>
-          </a:p>
-          <a:p>
-            <a:r>
-              <a:rPr lang="en-US" sz="2200" dirty="0">
-                <a:latin typeface="Monaco" pitchFamily="2" charset="77"/>
-              </a:rPr>
-              <a:t>    buckets[</a:t>
-            </a:r>
-            <a:r>
-              <a:rPr lang="en-US" sz="2200" dirty="0" err="1">
-                <a:latin typeface="Monaco" pitchFamily="2" charset="77"/>
-              </a:rPr>
-              <a:t>i</a:t>
-            </a:r>
-            <a:r>
-              <a:rPr lang="en-US" sz="2200" dirty="0">
-                <a:latin typeface="Monaco" pitchFamily="2" charset="77"/>
-              </a:rPr>
-              <a:t>].append(a)</a:t>
-            </a:r>
-          </a:p>
-          <a:p>
-            <a:r>
-              <a:rPr lang="en-US" sz="2200" dirty="0">
-                <a:latin typeface="Monaco" pitchFamily="2" charset="77"/>
-              </a:rPr>
-              <a:t>…</a:t>
-            </a:r>
-          </a:p>
-          <a:p>
-            <a:r>
-              <a:rPr lang="en-US" sz="2200" dirty="0">
-                <a:latin typeface="Monaco" pitchFamily="2" charset="77"/>
-              </a:rPr>
-              <a:t>for </a:t>
-            </a:r>
-            <a:r>
-              <a:rPr lang="en-US" sz="2200" dirty="0" err="1">
-                <a:latin typeface="Monaco" pitchFamily="2" charset="77"/>
-              </a:rPr>
-              <a:t>i</a:t>
-            </a:r>
-            <a:r>
-              <a:rPr lang="en-US" sz="2200" dirty="0">
-                <a:latin typeface="Monaco" pitchFamily="2" charset="77"/>
-              </a:rPr>
-              <a:t> in range(</a:t>
-            </a:r>
-            <a:r>
-              <a:rPr lang="en-US" sz="2200" dirty="0" err="1">
-                <a:latin typeface="Monaco" pitchFamily="2" charset="77"/>
-              </a:rPr>
-              <a:t>nbuckets</a:t>
-            </a:r>
-            <a:r>
-              <a:rPr lang="en-US" sz="2200" dirty="0">
-                <a:latin typeface="Monaco" pitchFamily="2" charset="77"/>
-              </a:rPr>
-              <a:t>):</a:t>
-            </a:r>
-          </a:p>
-          <a:p>
-            <a:r>
-              <a:rPr lang="en-US" sz="2200" dirty="0">
-                <a:latin typeface="Monaco" pitchFamily="2" charset="77"/>
-              </a:rPr>
-              <a:t>    </a:t>
-            </a:r>
-            <a:r>
-              <a:rPr lang="en-US" sz="2200" dirty="0" err="1">
-                <a:latin typeface="Monaco" pitchFamily="2" charset="77"/>
-              </a:rPr>
-              <a:t>A_.extend</a:t>
-            </a:r>
-            <a:r>
-              <a:rPr lang="en-US" sz="2200" dirty="0">
-                <a:latin typeface="Monaco" pitchFamily="2" charset="77"/>
-              </a:rPr>
-              <a:t>( sorted(buckets[</a:t>
-            </a:r>
-            <a:r>
-              <a:rPr lang="en-US" sz="2200" dirty="0" err="1">
-                <a:latin typeface="Monaco" pitchFamily="2" charset="77"/>
-              </a:rPr>
-              <a:t>i</a:t>
-            </a:r>
-            <a:r>
-              <a:rPr lang="en-US" sz="2200" dirty="0">
-                <a:latin typeface="Monaco" pitchFamily="2" charset="77"/>
-              </a:rPr>
-              <a:t>]) )</a:t>
-            </a:r>
-          </a:p>
-        </p:txBody>
-      </p:sp>
-    </p:spTree>
-    <p:extLst>
-      <p:ext uri="{BB962C8B-B14F-4D97-AF65-F5344CB8AC3E}">
-        <p14:creationId xmlns:p14="http://schemas.microsoft.com/office/powerpoint/2010/main" val="337696647"/>
-      </p:ext>
-    </p:extLst>
-  </p:cSld>
-  <p:clrMapOvr>
-    <a:masterClrMapping/>
-  </p:clrMapOvr>
-</p:sld>
-</file>
-
-<file path=ppt/slides/slide16.xml><?xml version="1.0" encoding="utf-8"?>
-<p:sld xmlns:a="http://schemas.openxmlformats.org/drawingml/2006/main" xmlns:r="http://schemas.openxmlformats.org/officeDocument/2006/relationships" xmlns:p="http://schemas.openxmlformats.org/presentationml/2006/main">
-  <p:cSld>
-    <p:spTree>
-      <p:nvGrpSpPr>
-        <p:cNvPr id="1" name=""/>
-        <p:cNvGrpSpPr/>
-        <p:nvPr/>
-      </p:nvGrpSpPr>
-      <p:grpSpPr>
-        <a:xfrm>
-          <a:off x="0" y="0"/>
-          <a:ext cx="0" cy="0"/>
-          <a:chOff x="0" y="0"/>
-          <a:chExt cx="0" cy="0"/>
-        </a:xfrm>
-      </p:grpSpPr>
-      <p:pic>
-        <p:nvPicPr>
-          <p:cNvPr id="5" name="Picture 4">
-            <a:extLst>
-              <a:ext uri="{FF2B5EF4-FFF2-40B4-BE49-F238E27FC236}">
-                <a16:creationId xmlns:a16="http://schemas.microsoft.com/office/drawing/2014/main" id="{79ABBC87-A945-514A-AA76-FB3F4CBB73C6}"/>
-              </a:ext>
-            </a:extLst>
-          </p:cNvPr>
-          <p:cNvPicPr>
-            <a:picLocks noChangeAspect="1"/>
-          </p:cNvPicPr>
-          <p:nvPr/>
-        </p:nvPicPr>
-        <p:blipFill>
-          <a:blip r:embed="rId2"/>
-          <a:stretch>
-            <a:fillRect/>
-          </a:stretch>
-        </p:blipFill>
-        <p:spPr>
-          <a:xfrm>
-            <a:off x="7981122" y="0"/>
-            <a:ext cx="4210878" cy="2931624"/>
-          </a:xfrm>
-          <a:prstGeom prst="rect">
-            <a:avLst/>
-          </a:prstGeom>
-        </p:spPr>
-      </p:pic>
-      <p:sp>
-        <p:nvSpPr>
-          <p:cNvPr id="2" name="Title 1"/>
-          <p:cNvSpPr>
-            <a:spLocks noGrp="1"/>
-          </p:cNvSpPr>
-          <p:nvPr>
-            <p:ph type="title"/>
-          </p:nvPr>
-        </p:nvSpPr>
-        <p:spPr/>
-        <p:txBody>
-          <a:bodyPr/>
-          <a:lstStyle/>
-          <a:p>
-            <a:r>
-              <a:rPr lang="en-US" dirty="0"/>
-              <a:t>Bucket sort worst-case</a:t>
-            </a:r>
-            <a:br>
-              <a:rPr lang="en-US" dirty="0"/>
-            </a:br>
-            <a:r>
-              <a:rPr lang="en-US" dirty="0"/>
-              <a:t>analysis</a:t>
-            </a:r>
-          </a:p>
-        </p:txBody>
-      </p:sp>
-      <p:sp>
-        <p:nvSpPr>
-          <p:cNvPr id="3" name="Content Placeholder 2"/>
-          <p:cNvSpPr>
-            <a:spLocks noGrp="1"/>
-          </p:cNvSpPr>
-          <p:nvPr>
-            <p:ph idx="1"/>
-          </p:nvPr>
-        </p:nvSpPr>
-        <p:spPr>
-          <a:xfrm>
-            <a:off x="838200" y="2266121"/>
-            <a:ext cx="10515600" cy="3910841"/>
-          </a:xfrm>
-        </p:spPr>
-        <p:txBody>
-          <a:bodyPr>
-            <a:normAutofit/>
-          </a:bodyPr>
-          <a:lstStyle/>
-          <a:p>
-            <a:r>
-              <a:rPr lang="en-US" dirty="0"/>
-              <a:t>What is T(</a:t>
-            </a:r>
-            <a:r>
-              <a:rPr lang="en-US" dirty="0" err="1"/>
-              <a:t>n,m</a:t>
-            </a:r>
-            <a:r>
-              <a:rPr lang="en-US" dirty="0"/>
-              <a:t>) worst-case?</a:t>
-            </a:r>
-          </a:p>
-          <a:p>
-            <a:r>
-              <a:rPr lang="en-US" dirty="0"/>
-              <a:t>What if all values are the same? All go into 1 bucket!</a:t>
-            </a:r>
-          </a:p>
-          <a:p>
-            <a:r>
-              <a:rPr lang="en-US" dirty="0"/>
-              <a:t>Sorting one bucket at best costs us O(k log k) for bucket size k</a:t>
-            </a:r>
-          </a:p>
-          <a:p>
-            <a:r>
-              <a:rPr lang="en-US" dirty="0" err="1"/>
-              <a:t>Bubblesort</a:t>
-            </a:r>
-            <a:r>
-              <a:rPr lang="en-US" dirty="0"/>
-              <a:t> might be faster for small buckets but that’s O(k^2) worst-case in theory</a:t>
-            </a:r>
-          </a:p>
-          <a:p>
-            <a:r>
-              <a:rPr lang="en-US" dirty="0"/>
-              <a:t>Can use insertion sort</a:t>
-            </a:r>
-            <a:r>
-              <a:rPr lang="en-US"/>
-              <a:t>, which is </a:t>
-            </a:r>
-            <a:r>
-              <a:rPr lang="en-US" dirty="0"/>
-              <a:t>O(k^</a:t>
-            </a:r>
-            <a:r>
-              <a:rPr lang="en-US"/>
-              <a:t>2), </a:t>
-            </a:r>
-            <a:r>
-              <a:rPr lang="en-US" dirty="0"/>
-              <a:t>for adding to bucket or leave unsorted and sort later</a:t>
-            </a:r>
-          </a:p>
-        </p:txBody>
-      </p:sp>
-    </p:spTree>
-    <p:extLst>
-      <p:ext uri="{BB962C8B-B14F-4D97-AF65-F5344CB8AC3E}">
-        <p14:creationId xmlns:p14="http://schemas.microsoft.com/office/powerpoint/2010/main" val="1015746552"/>
-      </p:ext>
-    </p:extLst>
-  </p:cSld>
-  <p:clrMapOvr>
-    <a:masterClrMapping/>
-  </p:clrMapOvr>
-  <p:timing>
-    <p:tnLst>
-      <p:par>
-        <p:cTn id="1" dur="indefinite" restart="never" nodeType="tmRoot">
-          <p:childTnLst>
-            <p:seq concurrent="1" nextAc="seek">
-              <p:cTn id="2" dur="indefinite" nodeType="mainSeq">
-                <p:childTnLst>
-                  <p:par>
-                    <p:cTn id="3" fill="hold">
-                      <p:stCondLst>
-                        <p:cond delay="indefinite"/>
-                      </p:stCondLst>
-                      <p:childTnLst>
-                        <p:par>
-                          <p:cTn id="4" fill="hold">
-                            <p:stCondLst>
-                              <p:cond delay="0"/>
-                            </p:stCondLst>
-                            <p:childTnLst>
-                              <p:par>
-                                <p:cTn id="5" presetID="1" presetClass="entr" presetSubtype="0" fill="hold" grpId="0" nodeType="clickEffect">
-                                  <p:stCondLst>
-                                    <p:cond delay="0"/>
-                                  </p:stCondLst>
-                                  <p:childTnLst>
-                                    <p:set>
-                                      <p:cBhvr>
-                                        <p:cTn id="6" dur="1" fill="hold">
-                                          <p:stCondLst>
-                                            <p:cond delay="0"/>
-                                          </p:stCondLst>
-                                        </p:cTn>
-                                        <p:tgtEl>
-                                          <p:spTgt spid="3">
-                                            <p:txEl>
-                                              <p:pRg st="1" end="1"/>
-                                            </p:txEl>
-                                          </p:spTgt>
-                                        </p:tgtEl>
-                                        <p:attrNameLst>
-                                          <p:attrName>style.visibility</p:attrName>
-                                        </p:attrNameLst>
-                                      </p:cBhvr>
-                                      <p:to>
-                                        <p:strVal val="visible"/>
-                                      </p:to>
-                                    </p:set>
-                                  </p:childTnLst>
-                                </p:cTn>
-                              </p:par>
-                            </p:childTnLst>
-                          </p:cTn>
-                        </p:par>
-                      </p:childTnLst>
-                    </p:cTn>
-                  </p:par>
-                  <p:par>
-                    <p:cTn id="7" fill="hold">
-                      <p:stCondLst>
-                        <p:cond delay="indefinite"/>
-                      </p:stCondLst>
-                      <p:childTnLst>
-                        <p:par>
-                          <p:cTn id="8" fill="hold">
-                            <p:stCondLst>
-                              <p:cond delay="0"/>
-                            </p:stCondLst>
-                            <p:childTnLst>
-                              <p:par>
-                                <p:cTn id="9" presetID="1" presetClass="entr" presetSubtype="0" fill="hold" grpId="0" nodeType="clickEffect">
-                                  <p:stCondLst>
-                                    <p:cond delay="0"/>
-                                  </p:stCondLst>
-                                  <p:childTnLst>
-                                    <p:set>
-                                      <p:cBhvr>
-                                        <p:cTn id="10" dur="1" fill="hold">
-                                          <p:stCondLst>
-                                            <p:cond delay="0"/>
-                                          </p:stCondLst>
-                                        </p:cTn>
-                                        <p:tgtEl>
-                                          <p:spTgt spid="3">
-                                            <p:txEl>
-                                              <p:pRg st="2" end="2"/>
-                                            </p:txEl>
-                                          </p:spTgt>
-                                        </p:tgtEl>
-                                        <p:attrNameLst>
-                                          <p:attrName>style.visibility</p:attrName>
-                                        </p:attrNameLst>
-                                      </p:cBhvr>
-                                      <p:to>
-                                        <p:strVal val="visible"/>
-                                      </p:to>
-                                    </p:set>
-                                  </p:childTnLst>
-                                </p:cTn>
-                              </p:par>
-                              <p:par>
-                                <p:cTn id="11" presetID="1" presetClass="entr" presetSubtype="0" fill="hold" nodeType="withEffect">
-                                  <p:stCondLst>
-                                    <p:cond delay="0"/>
-                                  </p:stCondLst>
-                                  <p:childTnLst>
-                                    <p:set>
-                                      <p:cBhvr>
-                                        <p:cTn id="12" dur="1" fill="hold">
-                                          <p:stCondLst>
-                                            <p:cond delay="0"/>
-                                          </p:stCondLst>
-                                        </p:cTn>
-                                        <p:tgtEl>
-                                          <p:spTgt spid="3">
-                                            <p:txEl>
-                                              <p:pRg st="3" end="3"/>
-                                            </p:txEl>
-                                          </p:spTgt>
-                                        </p:tgtEl>
-                                        <p:attrNameLst>
-                                          <p:attrName>style.visibility</p:attrName>
-                                        </p:attrNameLst>
-                                      </p:cBhvr>
-                                      <p:to>
-                                        <p:strVal val="visible"/>
-                                      </p:to>
-                                    </p:set>
-                                  </p:childTnLst>
-                                </p:cTn>
-                              </p:par>
-                              <p:par>
-                                <p:cTn id="13" presetID="1" presetClass="entr" presetSubtype="0" fill="hold" nodeType="withEffect">
-                                  <p:stCondLst>
-                                    <p:cond delay="0"/>
-                                  </p:stCondLst>
-                                  <p:childTnLst>
-                                    <p:set>
-                                      <p:cBhvr>
-                                        <p:cTn id="14" dur="1" fill="hold">
-                                          <p:stCondLst>
-                                            <p:cond delay="0"/>
-                                          </p:stCondLst>
-                                        </p:cTn>
-                                        <p:tgtEl>
-                                          <p:spTgt spid="3">
-                                            <p:txEl>
-                                              <p:pRg st="4" end="4"/>
-                                            </p:txEl>
-                                          </p:spTgt>
-                                        </p:tgtEl>
-                                        <p:attrNameLst>
-                                          <p:attrName>style.visibility</p:attrName>
-                                        </p:attrNameLst>
-                                      </p:cBhvr>
-                                      <p:to>
-                                        <p:strVal val="visible"/>
-                                      </p:to>
-                                    </p:set>
-                                  </p:childTnLst>
-                                </p:cTn>
-                              </p:par>
-                            </p:childTnLst>
-                          </p:cTn>
-                        </p:par>
-                      </p:childTnLst>
-                    </p:cTn>
-                  </p:par>
-                </p:childTnLst>
-              </p:cTn>
-              <p:prevCondLst>
-                <p:cond evt="onPrev" delay="0">
-                  <p:tgtEl>
-                    <p:sldTgt/>
-                  </p:tgtEl>
-                </p:cond>
-              </p:prevCondLst>
-              <p:nextCondLst>
-                <p:cond evt="onNext" delay="0">
-                  <p:tgtEl>
-                    <p:sldTgt/>
-                  </p:tgtEl>
-                </p:cond>
-              </p:nextCondLst>
-            </p:seq>
-          </p:childTnLst>
-        </p:cTn>
-      </p:par>
-    </p:tnLst>
-    <p:bldLst>
-      <p:bldP spid="3" grpId="0" uiExpand="1" build="p"/>
-    </p:bldLst>
-  </p:timing>
-</p:sld>
-</file>
-
-<file path=ppt/slides/slide17.xml><?xml version="1.0" encoding="utf-8"?>
-<p:sld xmlns:a="http://schemas.openxmlformats.org/drawingml/2006/main" xmlns:r="http://schemas.openxmlformats.org/officeDocument/2006/relationships" xmlns:p="http://schemas.openxmlformats.org/presentationml/2006/main">
-  <p:cSld>
-    <p:spTree>
-      <p:nvGrpSpPr>
-        <p:cNvPr id="1" name=""/>
-        <p:cNvGrpSpPr/>
-        <p:nvPr/>
-      </p:nvGrpSpPr>
-      <p:grpSpPr>
-        <a:xfrm>
-          <a:off x="0" y="0"/>
-          <a:ext cx="0" cy="0"/>
-          <a:chOff x="0" y="0"/>
-          <a:chExt cx="0" cy="0"/>
-        </a:xfrm>
-      </p:grpSpPr>
-      <p:sp>
-        <p:nvSpPr>
-          <p:cNvPr id="2" name="Title 1"/>
-          <p:cNvSpPr>
-            <a:spLocks noGrp="1"/>
-          </p:cNvSpPr>
-          <p:nvPr>
-            <p:ph type="title"/>
-          </p:nvPr>
-        </p:nvSpPr>
-        <p:spPr/>
-        <p:txBody>
-          <a:bodyPr/>
-          <a:lstStyle/>
-          <a:p>
-            <a:r>
-              <a:rPr lang="en-US" dirty="0"/>
-              <a:t>Bucket sort best-case analysis</a:t>
-            </a:r>
-          </a:p>
-        </p:txBody>
-      </p:sp>
-      <p:sp>
-        <p:nvSpPr>
-          <p:cNvPr id="3" name="Content Placeholder 2"/>
-          <p:cNvSpPr>
-            <a:spLocks noGrp="1"/>
-          </p:cNvSpPr>
-          <p:nvPr>
-            <p:ph idx="1"/>
-          </p:nvPr>
-        </p:nvSpPr>
-        <p:spPr>
-          <a:xfrm>
-            <a:off x="838200" y="1825625"/>
-            <a:ext cx="10883630" cy="4351338"/>
-          </a:xfrm>
-        </p:spPr>
-        <p:txBody>
-          <a:bodyPr/>
-          <a:lstStyle/>
-          <a:p>
-            <a:r>
-              <a:rPr lang="en-US" dirty="0"/>
-              <a:t>What does the best case or average case look like?</a:t>
-            </a:r>
-          </a:p>
-          <a:p>
-            <a:r>
-              <a:rPr lang="en-US" dirty="0"/>
-              <a:t>Assume even distribution of elements across m buckets</a:t>
-            </a:r>
-          </a:p>
-          <a:p>
-            <a:r>
-              <a:rPr lang="en-US" dirty="0"/>
-              <a:t>Choose m always so k=n/m is some small fixed constant size k</a:t>
-            </a:r>
-          </a:p>
-          <a:p>
-            <a:r>
-              <a:rPr lang="en-US" dirty="0"/>
-              <a:t>Sort k elements m times (</a:t>
-            </a:r>
-            <a:r>
-              <a:rPr lang="en-US" dirty="0" err="1"/>
-              <a:t>bubblesort</a:t>
-            </a:r>
-            <a:r>
-              <a:rPr lang="en-US" dirty="0"/>
-              <a:t> O(k^2)), merge m sorted lists</a:t>
-            </a:r>
-          </a:p>
-          <a:p>
-            <a:r>
-              <a:rPr lang="en-US" dirty="0"/>
-              <a:t>T(</a:t>
-            </a:r>
-            <a:r>
-              <a:rPr lang="en-US" dirty="0" err="1"/>
-              <a:t>n,m,k</a:t>
-            </a:r>
-            <a:r>
-              <a:rPr lang="en-US" dirty="0"/>
-              <a:t>=n/m) = m * k^2 + n</a:t>
-            </a:r>
-          </a:p>
-          <a:p>
-            <a:r>
-              <a:rPr lang="en-US" dirty="0"/>
-              <a:t>Replace m=n/k:</a:t>
-            </a:r>
-            <a:br>
-              <a:rPr lang="en-US" dirty="0"/>
-            </a:br>
-            <a:r>
-              <a:rPr lang="en-US" dirty="0"/>
-              <a:t>T(</a:t>
-            </a:r>
-            <a:r>
-              <a:rPr lang="en-US" dirty="0" err="1"/>
-              <a:t>n,k</a:t>
-            </a:r>
-            <a:r>
-              <a:rPr lang="en-US" dirty="0"/>
-              <a:t>) = n/k * k^2 + n = n*k + n = n(k+1)   (choose small k)</a:t>
-            </a:r>
-          </a:p>
-          <a:p>
-            <a:r>
-              <a:rPr lang="en-US" dirty="0"/>
-              <a:t>That gives us O(n)</a:t>
-            </a:r>
-          </a:p>
-        </p:txBody>
-      </p:sp>
-    </p:spTree>
-    <p:extLst>
-      <p:ext uri="{BB962C8B-B14F-4D97-AF65-F5344CB8AC3E}">
-        <p14:creationId xmlns:p14="http://schemas.microsoft.com/office/powerpoint/2010/main" val="1030292636"/>
-      </p:ext>
-    </p:extLst>
-  </p:cSld>
-  <p:clrMapOvr>
-    <a:masterClrMapping/>
-  </p:clrMapOvr>
-  <p:timing>
-    <p:tnLst>
-      <p:par>
-        <p:cTn id="1" dur="indefinite" restart="never" nodeType="tmRoot">
-          <p:childTnLst>
-            <p:seq concurrent="1" nextAc="seek">
-              <p:cTn id="2" dur="indefinite" nodeType="mainSeq">
-                <p:childTnLst>
-                  <p:par>
-                    <p:cTn id="3" fill="hold">
-                      <p:stCondLst>
-                        <p:cond delay="indefinite"/>
-                      </p:stCondLst>
-                      <p:childTnLst>
-                        <p:par>
-                          <p:cTn id="4" fill="hold">
-                            <p:stCondLst>
-                              <p:cond delay="0"/>
-                            </p:stCondLst>
-                            <p:childTnLst>
-                              <p:par>
-                                <p:cTn id="5" presetID="1" presetClass="entr" presetSubtype="0" fill="hold" grpId="0" nodeType="clickEffect">
-                                  <p:stCondLst>
-                                    <p:cond delay="0"/>
-                                  </p:stCondLst>
-                                  <p:childTnLst>
-                                    <p:set>
-                                      <p:cBhvr>
-                                        <p:cTn id="6" dur="1" fill="hold">
-                                          <p:stCondLst>
-                                            <p:cond delay="0"/>
-                                          </p:stCondLst>
-                                        </p:cTn>
-                                        <p:tgtEl>
-                                          <p:spTgt spid="3">
-                                            <p:txEl>
-                                              <p:pRg st="1" end="1"/>
-                                            </p:txEl>
-                                          </p:spTgt>
-                                        </p:tgtEl>
-                                        <p:attrNameLst>
-                                          <p:attrName>style.visibility</p:attrName>
-                                        </p:attrNameLst>
-                                      </p:cBhvr>
-                                      <p:to>
-                                        <p:strVal val="visible"/>
-                                      </p:to>
-                                    </p:set>
-                                  </p:childTnLst>
-                                </p:cTn>
-                              </p:par>
-                            </p:childTnLst>
-                          </p:cTn>
-                        </p:par>
-                      </p:childTnLst>
-                    </p:cTn>
-                  </p:par>
-                  <p:par>
-                    <p:cTn id="7" fill="hold">
-                      <p:stCondLst>
-                        <p:cond delay="indefinite"/>
-                      </p:stCondLst>
-                      <p:childTnLst>
-                        <p:par>
-                          <p:cTn id="8" fill="hold">
-                            <p:stCondLst>
-                              <p:cond delay="0"/>
-                            </p:stCondLst>
-                            <p:childTnLst>
-                              <p:par>
-                                <p:cTn id="9" presetID="1" presetClass="entr" presetSubtype="0" fill="hold" grpId="0" nodeType="clickEffect">
-                                  <p:stCondLst>
-                                    <p:cond delay="0"/>
-                                  </p:stCondLst>
-                                  <p:childTnLst>
-                                    <p:set>
-                                      <p:cBhvr>
-                                        <p:cTn id="10" dur="1" fill="hold">
-                                          <p:stCondLst>
-                                            <p:cond delay="0"/>
-                                          </p:stCondLst>
-                                        </p:cTn>
-                                        <p:tgtEl>
-                                          <p:spTgt spid="3">
-                                            <p:txEl>
-                                              <p:pRg st="2" end="2"/>
-                                            </p:txEl>
-                                          </p:spTgt>
-                                        </p:tgtEl>
-                                        <p:attrNameLst>
-                                          <p:attrName>style.visibility</p:attrName>
-                                        </p:attrNameLst>
-                                      </p:cBhvr>
-                                      <p:to>
-                                        <p:strVal val="visible"/>
-                                      </p:to>
-                                    </p:set>
-                                  </p:childTnLst>
-                                </p:cTn>
-                              </p:par>
-                            </p:childTnLst>
-                          </p:cTn>
-                        </p:par>
-                      </p:childTnLst>
-                    </p:cTn>
-                  </p:par>
-                  <p:par>
-                    <p:cTn id="11" fill="hold">
-                      <p:stCondLst>
-                        <p:cond delay="indefinite"/>
-                      </p:stCondLst>
-                      <p:childTnLst>
-                        <p:par>
-                          <p:cTn id="12" fill="hold">
-                            <p:stCondLst>
-                              <p:cond delay="0"/>
-                            </p:stCondLst>
-                            <p:childTnLst>
-                              <p:par>
-                                <p:cTn id="13" presetID="1" presetClass="entr" presetSubtype="0" fill="hold" grpId="0" nodeType="clickEffect">
-                                  <p:stCondLst>
-                                    <p:cond delay="0"/>
-                                  </p:stCondLst>
-                                  <p:childTnLst>
-                                    <p:set>
-                                      <p:cBhvr>
-                                        <p:cTn id="14" dur="1" fill="hold">
-                                          <p:stCondLst>
-                                            <p:cond delay="0"/>
-                                          </p:stCondLst>
-                                        </p:cTn>
-                                        <p:tgtEl>
-                                          <p:spTgt spid="3">
-                                            <p:txEl>
-                                              <p:pRg st="3" end="3"/>
-                                            </p:txEl>
-                                          </p:spTgt>
-                                        </p:tgtEl>
-                                        <p:attrNameLst>
-                                          <p:attrName>style.visibility</p:attrName>
-                                        </p:attrNameLst>
-                                      </p:cBhvr>
-                                      <p:to>
-                                        <p:strVal val="visible"/>
-                                      </p:to>
-                                    </p:set>
-                                  </p:childTnLst>
-                                </p:cTn>
-                              </p:par>
-                            </p:childTnLst>
-                          </p:cTn>
-                        </p:par>
-                      </p:childTnLst>
-                    </p:cTn>
-                  </p:par>
-                  <p:par>
-                    <p:cTn id="15" fill="hold">
-                      <p:stCondLst>
-                        <p:cond delay="indefinite"/>
-                      </p:stCondLst>
-                      <p:childTnLst>
-                        <p:par>
-                          <p:cTn id="16" fill="hold">
-                            <p:stCondLst>
-                              <p:cond delay="0"/>
-                            </p:stCondLst>
-                            <p:childTnLst>
-                              <p:par>
-                                <p:cTn id="17" presetID="1" presetClass="entr" presetSubtype="0" fill="hold" nodeType="clickEffect">
-                                  <p:stCondLst>
-                                    <p:cond delay="0"/>
-                                  </p:stCondLst>
-                                  <p:childTnLst>
-                                    <p:set>
-                                      <p:cBhvr>
-                                        <p:cTn id="18" dur="1" fill="hold">
-                                          <p:stCondLst>
-                                            <p:cond delay="0"/>
-                                          </p:stCondLst>
-                                        </p:cTn>
-                                        <p:tgtEl>
-                                          <p:spTgt spid="3">
-                                            <p:txEl>
-                                              <p:pRg st="4" end="4"/>
-                                            </p:txEl>
-                                          </p:spTgt>
-                                        </p:tgtEl>
-                                        <p:attrNameLst>
-                                          <p:attrName>style.visibility</p:attrName>
-                                        </p:attrNameLst>
-                                      </p:cBhvr>
-                                      <p:to>
-                                        <p:strVal val="visible"/>
-                                      </p:to>
-                                    </p:set>
-                                  </p:childTnLst>
-                                </p:cTn>
-                              </p:par>
-                              <p:par>
-                                <p:cTn id="19" presetID="1" presetClass="entr" presetSubtype="0" fill="hold" nodeType="withEffect">
-                                  <p:stCondLst>
-                                    <p:cond delay="0"/>
-                                  </p:stCondLst>
-                                  <p:childTnLst>
-                                    <p:set>
-                                      <p:cBhvr>
-                                        <p:cTn id="20" dur="1" fill="hold">
-                                          <p:stCondLst>
-                                            <p:cond delay="0"/>
-                                          </p:stCondLst>
-                                        </p:cTn>
-                                        <p:tgtEl>
-                                          <p:spTgt spid="3">
-                                            <p:txEl>
-                                              <p:pRg st="5" end="5"/>
-                                            </p:txEl>
-                                          </p:spTgt>
-                                        </p:tgtEl>
-                                        <p:attrNameLst>
-                                          <p:attrName>style.visibility</p:attrName>
-                                        </p:attrNameLst>
-                                      </p:cBhvr>
-                                      <p:to>
-                                        <p:strVal val="visible"/>
-                                      </p:to>
-                                    </p:set>
-                                  </p:childTnLst>
-                                </p:cTn>
-                              </p:par>
-                              <p:par>
-                                <p:cTn id="21" presetID="1" presetClass="entr" presetSubtype="0" fill="hold" nodeType="withEffect">
-                                  <p:stCondLst>
-                                    <p:cond delay="0"/>
-                                  </p:stCondLst>
-                                  <p:childTnLst>
-                                    <p:set>
-                                      <p:cBhvr>
-                                        <p:cTn id="22" dur="1" fill="hold">
-                                          <p:stCondLst>
-                                            <p:cond delay="0"/>
-                                          </p:stCondLst>
-                                        </p:cTn>
-                                        <p:tgtEl>
-                                          <p:spTgt spid="3">
-                                            <p:txEl>
-                                              <p:pRg st="6" end="6"/>
-                                            </p:txEl>
-                                          </p:spTgt>
-                                        </p:tgtEl>
-                                        <p:attrNameLst>
-                                          <p:attrName>style.visibility</p:attrName>
-                                        </p:attrNameLst>
-                                      </p:cBhvr>
-                                      <p:to>
-                                        <p:strVal val="visible"/>
-                                      </p:to>
-                                    </p:set>
-                                  </p:childTnLst>
-                                </p:cTn>
-                              </p:par>
-                            </p:childTnLst>
-                          </p:cTn>
-                        </p:par>
-                      </p:childTnLst>
-                    </p:cTn>
-                  </p:par>
-                </p:childTnLst>
-              </p:cTn>
-              <p:prevCondLst>
-                <p:cond evt="onPrev" delay="0">
-                  <p:tgtEl>
-                    <p:sldTgt/>
-                  </p:tgtEl>
-                </p:cond>
-              </p:prevCondLst>
-              <p:nextCondLst>
-                <p:cond evt="onNext" delay="0">
-                  <p:tgtEl>
-                    <p:sldTgt/>
-                  </p:tgtEl>
-                </p:cond>
-              </p:nextCondLst>
-            </p:seq>
-          </p:childTnLst>
-        </p:cTn>
-      </p:par>
-    </p:tnLst>
-    <p:bldLst>
-      <p:bldP spid="3" grpId="0" uiExpand="1" build="p"/>
-    </p:bldLst>
-  </p:timing>
-</p:sld>
-</file>
-
-<file path=ppt/slides/slide18.xml><?xml version="1.0" encoding="utf-8"?>
-<p:sld xmlns:a="http://schemas.openxmlformats.org/drawingml/2006/main" xmlns:r="http://schemas.openxmlformats.org/officeDocument/2006/relationships" xmlns:p="http://schemas.openxmlformats.org/presentationml/2006/main">
-  <p:cSld>
-    <p:spTree>
-      <p:nvGrpSpPr>
-        <p:cNvPr id="1" name=""/>
-        <p:cNvGrpSpPr/>
-        <p:nvPr/>
-      </p:nvGrpSpPr>
-      <p:grpSpPr>
-        <a:xfrm>
-          <a:off x="0" y="0"/>
-          <a:ext cx="0" cy="0"/>
-          <a:chOff x="0" y="0"/>
-          <a:chExt cx="0" cy="0"/>
-        </a:xfrm>
-      </p:grpSpPr>
-      <p:sp>
-        <p:nvSpPr>
-          <p:cNvPr id="2" name="Title 1"/>
-          <p:cNvSpPr>
-            <a:spLocks noGrp="1"/>
-          </p:cNvSpPr>
-          <p:nvPr>
-            <p:ph type="title"/>
-          </p:nvPr>
-        </p:nvSpPr>
-        <p:spPr/>
-        <p:txBody>
-          <a:bodyPr/>
-          <a:lstStyle/>
-          <a:p>
-            <a:r>
-              <a:rPr lang="en-US" dirty="0"/>
-              <a:t>Bucket sort on strings</a:t>
-            </a:r>
-          </a:p>
-        </p:txBody>
-      </p:sp>
-      <p:sp>
-        <p:nvSpPr>
-          <p:cNvPr id="3" name="Content Placeholder 2"/>
-          <p:cNvSpPr>
-            <a:spLocks noGrp="1"/>
-          </p:cNvSpPr>
-          <p:nvPr>
-            <p:ph idx="1"/>
-          </p:nvPr>
-        </p:nvSpPr>
-        <p:spPr/>
-        <p:txBody>
-          <a:bodyPr/>
-          <a:lstStyle/>
-          <a:p>
-            <a:r>
-              <a:rPr lang="en-US" dirty="0"/>
-              <a:t>Use first letter as bucket key</a:t>
-            </a:r>
-          </a:p>
-          <a:p>
-            <a:r>
-              <a:rPr lang="en-US" dirty="0"/>
-              <a:t>Add strings to buckets</a:t>
-            </a:r>
-          </a:p>
-          <a:p>
-            <a:r>
-              <a:rPr lang="en-US" dirty="0"/>
-              <a:t>Sort within bucket</a:t>
-            </a:r>
-          </a:p>
-          <a:p>
-            <a:r>
-              <a:rPr lang="en-US" dirty="0"/>
-              <a:t>Walk </a:t>
-            </a:r>
-            <a:r>
-              <a:rPr lang="en-US" dirty="0" err="1"/>
-              <a:t>a..z</a:t>
-            </a:r>
-            <a:r>
-              <a:rPr lang="en-US" dirty="0"/>
-              <a:t> buckets, concatenating</a:t>
-            </a:r>
-            <a:br>
-              <a:rPr lang="en-US" dirty="0"/>
-            </a:br>
-            <a:r>
-              <a:rPr lang="en-US" dirty="0"/>
-              <a:t>those sorted lists into single list</a:t>
-            </a:r>
-          </a:p>
-          <a:p>
-            <a:r>
-              <a:rPr lang="en-US" dirty="0"/>
-              <a:t>See sorting notebook for</a:t>
-            </a:r>
-            <a:br>
-              <a:rPr lang="en-US" dirty="0"/>
-            </a:br>
-            <a:r>
-              <a:rPr lang="en-US" dirty="0"/>
-              <a:t>implementation</a:t>
-            </a:r>
-          </a:p>
-        </p:txBody>
-      </p:sp>
-      <p:pic>
-        <p:nvPicPr>
-          <p:cNvPr id="5" name="Picture 4">
-            <a:extLst>
-              <a:ext uri="{FF2B5EF4-FFF2-40B4-BE49-F238E27FC236}">
-                <a16:creationId xmlns:a16="http://schemas.microsoft.com/office/drawing/2014/main" id="{D763CE5F-8BAE-5542-ACDC-BE45814D4972}"/>
-              </a:ext>
-            </a:extLst>
-          </p:cNvPr>
-          <p:cNvPicPr>
-            <a:picLocks noChangeAspect="1"/>
-          </p:cNvPicPr>
-          <p:nvPr/>
-        </p:nvPicPr>
-        <p:blipFill>
-          <a:blip r:embed="rId2"/>
-          <a:stretch>
-            <a:fillRect/>
-          </a:stretch>
-        </p:blipFill>
-        <p:spPr>
-          <a:xfrm>
-            <a:off x="5981670" y="1264190"/>
-            <a:ext cx="6111026" cy="3813648"/>
-          </a:xfrm>
-          <a:prstGeom prst="rect">
-            <a:avLst/>
-          </a:prstGeom>
-        </p:spPr>
-      </p:pic>
-    </p:spTree>
-    <p:extLst>
-      <p:ext uri="{BB962C8B-B14F-4D97-AF65-F5344CB8AC3E}">
-        <p14:creationId xmlns:p14="http://schemas.microsoft.com/office/powerpoint/2010/main" val="125326000"/>
-      </p:ext>
-    </p:extLst>
-  </p:cSld>
-  <p:clrMapOvr>
-    <a:masterClrMapping/>
-  </p:clrMapOvr>
-</p:sld>
-</file>
-
-<file path=ppt/slides/slide19.xml><?xml version="1.0" encoding="utf-8"?>
-<p:sld xmlns:a="http://schemas.openxmlformats.org/drawingml/2006/main" xmlns:r="http://schemas.openxmlformats.org/officeDocument/2006/relationships" xmlns:p="http://schemas.openxmlformats.org/presentationml/2006/main">
-  <p:cSld>
-    <p:spTree>
-      <p:nvGrpSpPr>
-        <p:cNvPr id="1" name=""/>
-        <p:cNvGrpSpPr/>
-        <p:nvPr/>
-      </p:nvGrpSpPr>
-      <p:grpSpPr>
-        <a:xfrm>
-          <a:off x="0" y="0"/>
-          <a:ext cx="0" cy="0"/>
-          <a:chOff x="0" y="0"/>
-          <a:chExt cx="0" cy="0"/>
-        </a:xfrm>
-      </p:grpSpPr>
-      <p:sp>
-        <p:nvSpPr>
-          <p:cNvPr id="2" name="Title 1">
-            <a:extLst>
-              <a:ext uri="{FF2B5EF4-FFF2-40B4-BE49-F238E27FC236}">
-                <a16:creationId xmlns:a16="http://schemas.microsoft.com/office/drawing/2014/main" id="{A11E878E-D1EC-F240-A84D-8161A2A45DB5}"/>
-              </a:ext>
-            </a:extLst>
-          </p:cNvPr>
-          <p:cNvSpPr>
-            <a:spLocks noGrp="1"/>
-          </p:cNvSpPr>
-          <p:nvPr>
-            <p:ph type="title"/>
-          </p:nvPr>
-        </p:nvSpPr>
-        <p:spPr/>
-        <p:txBody>
-          <a:bodyPr/>
-          <a:lstStyle/>
-          <a:p>
-            <a:r>
-              <a:rPr lang="en-US" dirty="0"/>
-              <a:t>Key bits of string bucket sort</a:t>
-            </a:r>
-          </a:p>
-        </p:txBody>
-      </p:sp>
-      <p:sp>
-        <p:nvSpPr>
-          <p:cNvPr id="4" name="TextBox 3">
-            <a:extLst>
-              <a:ext uri="{FF2B5EF4-FFF2-40B4-BE49-F238E27FC236}">
-                <a16:creationId xmlns:a16="http://schemas.microsoft.com/office/drawing/2014/main" id="{5009CE07-300F-B24B-9AEE-88C867AF75EC}"/>
-              </a:ext>
-            </a:extLst>
-          </p:cNvPr>
-          <p:cNvSpPr txBox="1"/>
-          <p:nvPr/>
-        </p:nvSpPr>
-        <p:spPr>
-          <a:xfrm>
-            <a:off x="478275" y="2055149"/>
-            <a:ext cx="6661827" cy="2123658"/>
-          </a:xfrm>
-          <a:prstGeom prst="rect">
-            <a:avLst/>
-          </a:prstGeom>
-          <a:noFill/>
-          <a:ln>
-            <a:solidFill>
-              <a:schemeClr val="accent1"/>
-            </a:solidFill>
-          </a:ln>
-        </p:spPr>
-        <p:txBody>
-          <a:bodyPr wrap="square" rtlCol="0">
-            <a:spAutoFit/>
-          </a:bodyPr>
-          <a:lstStyle/>
-          <a:p>
-            <a:r>
-              <a:rPr lang="en-US" sz="2200" dirty="0">
-                <a:latin typeface="Monaco" pitchFamily="2" charset="77"/>
-              </a:rPr>
-              <a:t>for s in A:</a:t>
-            </a:r>
-          </a:p>
-          <a:p>
-            <a:r>
-              <a:rPr lang="en-US" sz="2200" dirty="0">
-                <a:latin typeface="Monaco" pitchFamily="2" charset="77"/>
-              </a:rPr>
-              <a:t>    </a:t>
-            </a:r>
-            <a:r>
-              <a:rPr lang="en-US" sz="2200" dirty="0" err="1">
-                <a:latin typeface="Monaco" pitchFamily="2" charset="77"/>
-              </a:rPr>
-              <a:t>i</a:t>
-            </a:r>
-            <a:r>
-              <a:rPr lang="en-US" sz="2200" dirty="0">
-                <a:latin typeface="Monaco" pitchFamily="2" charset="77"/>
-              </a:rPr>
-              <a:t> = </a:t>
-            </a:r>
-            <a:r>
-              <a:rPr lang="en-US" sz="2200" dirty="0" err="1">
-                <a:latin typeface="Monaco" pitchFamily="2" charset="77"/>
-              </a:rPr>
-              <a:t>ord</a:t>
-            </a:r>
-            <a:r>
-              <a:rPr lang="en-US" sz="2200" dirty="0">
-                <a:latin typeface="Monaco" pitchFamily="2" charset="77"/>
-              </a:rPr>
-              <a:t>(s[0])-</a:t>
-            </a:r>
-            <a:r>
-              <a:rPr lang="en-US" sz="2200" dirty="0" err="1">
-                <a:latin typeface="Monaco" pitchFamily="2" charset="77"/>
-              </a:rPr>
-              <a:t>ord</a:t>
-            </a:r>
-            <a:r>
-              <a:rPr lang="en-US" sz="2200" dirty="0">
-                <a:latin typeface="Monaco" pitchFamily="2" charset="77"/>
-              </a:rPr>
-              <a:t>('a’)</a:t>
-            </a:r>
-          </a:p>
-          <a:p>
-            <a:r>
-              <a:rPr lang="en-US" sz="2200" dirty="0">
-                <a:latin typeface="Monaco" pitchFamily="2" charset="77"/>
-              </a:rPr>
-              <a:t>    holes[</a:t>
-            </a:r>
-            <a:r>
-              <a:rPr lang="en-US" sz="2200" dirty="0" err="1">
-                <a:latin typeface="Monaco" pitchFamily="2" charset="77"/>
-              </a:rPr>
-              <a:t>i</a:t>
-            </a:r>
-            <a:r>
-              <a:rPr lang="en-US" sz="2200" dirty="0">
-                <a:latin typeface="Monaco" pitchFamily="2" charset="77"/>
-              </a:rPr>
-              <a:t>].append(s)</a:t>
-            </a:r>
-          </a:p>
-          <a:p>
-            <a:r>
-              <a:rPr lang="en-US" sz="2200" dirty="0">
-                <a:latin typeface="Monaco" pitchFamily="2" charset="77"/>
-              </a:rPr>
-              <a:t>…</a:t>
-            </a:r>
-          </a:p>
-          <a:p>
-            <a:r>
-              <a:rPr lang="en-US" sz="2200" dirty="0">
-                <a:latin typeface="Monaco" pitchFamily="2" charset="77"/>
-              </a:rPr>
-              <a:t>for </a:t>
-            </a:r>
-            <a:r>
-              <a:rPr lang="en-US" sz="2200" dirty="0" err="1">
-                <a:latin typeface="Monaco" pitchFamily="2" charset="77"/>
-              </a:rPr>
-              <a:t>i</a:t>
-            </a:r>
-            <a:r>
-              <a:rPr lang="en-US" sz="2200" dirty="0">
-                <a:latin typeface="Monaco" pitchFamily="2" charset="77"/>
-              </a:rPr>
-              <a:t> in range(</a:t>
-            </a:r>
-            <a:r>
-              <a:rPr lang="en-US" sz="2200" dirty="0" err="1">
-                <a:latin typeface="Monaco" pitchFamily="2" charset="77"/>
-              </a:rPr>
-              <a:t>ord</a:t>
-            </a:r>
-            <a:r>
-              <a:rPr lang="en-US" sz="2200" dirty="0">
-                <a:latin typeface="Monaco" pitchFamily="2" charset="77"/>
-              </a:rPr>
-              <a:t>('z')-</a:t>
-            </a:r>
-            <a:r>
-              <a:rPr lang="en-US" sz="2200" dirty="0" err="1">
-                <a:latin typeface="Monaco" pitchFamily="2" charset="77"/>
-              </a:rPr>
-              <a:t>ord</a:t>
-            </a:r>
-            <a:r>
-              <a:rPr lang="en-US" sz="2200" dirty="0">
-                <a:latin typeface="Monaco" pitchFamily="2" charset="77"/>
-              </a:rPr>
-              <a:t>('a') + 1):</a:t>
-            </a:r>
-          </a:p>
-          <a:p>
-            <a:r>
-              <a:rPr lang="en-US" sz="2200" dirty="0">
-                <a:latin typeface="Monaco" pitchFamily="2" charset="77"/>
-              </a:rPr>
-              <a:t>    </a:t>
-            </a:r>
-            <a:r>
-              <a:rPr lang="en-US" sz="2200" dirty="0" err="1">
-                <a:latin typeface="Monaco" pitchFamily="2" charset="77"/>
-              </a:rPr>
-              <a:t>A_.extend</a:t>
-            </a:r>
-            <a:r>
-              <a:rPr lang="en-US" sz="2200" dirty="0">
-                <a:latin typeface="Monaco" pitchFamily="2" charset="77"/>
-              </a:rPr>
-              <a:t>( sorted(holes[</a:t>
-            </a:r>
-            <a:r>
-              <a:rPr lang="en-US" sz="2200" dirty="0" err="1">
-                <a:latin typeface="Monaco" pitchFamily="2" charset="77"/>
-              </a:rPr>
-              <a:t>i</a:t>
-            </a:r>
-            <a:r>
-              <a:rPr lang="en-US" sz="2200" dirty="0">
-                <a:latin typeface="Monaco" pitchFamily="2" charset="77"/>
-              </a:rPr>
-              <a:t>]) )</a:t>
-            </a:r>
-          </a:p>
-        </p:txBody>
-      </p:sp>
-      <p:pic>
-        <p:nvPicPr>
-          <p:cNvPr id="5" name="Picture 4">
-            <a:extLst>
-              <a:ext uri="{FF2B5EF4-FFF2-40B4-BE49-F238E27FC236}">
-                <a16:creationId xmlns:a16="http://schemas.microsoft.com/office/drawing/2014/main" id="{78C62904-A7EF-1043-B577-3830636E3304}"/>
-              </a:ext>
-            </a:extLst>
-          </p:cNvPr>
-          <p:cNvPicPr>
-            <a:picLocks noChangeAspect="1"/>
-          </p:cNvPicPr>
-          <p:nvPr/>
-        </p:nvPicPr>
-        <p:blipFill>
-          <a:blip r:embed="rId2"/>
-          <a:stretch>
-            <a:fillRect/>
-          </a:stretch>
-        </p:blipFill>
-        <p:spPr>
-          <a:xfrm>
-            <a:off x="7554202" y="1690687"/>
-            <a:ext cx="4160053" cy="3124503"/>
-          </a:xfrm>
-          <a:prstGeom prst="rect">
-            <a:avLst/>
-          </a:prstGeom>
-        </p:spPr>
-      </p:pic>
-      <p:sp>
-        <p:nvSpPr>
-          <p:cNvPr id="6" name="Rectangle 5">
-            <a:extLst>
-              <a:ext uri="{FF2B5EF4-FFF2-40B4-BE49-F238E27FC236}">
-                <a16:creationId xmlns:a16="http://schemas.microsoft.com/office/drawing/2014/main" id="{EFB6146F-832A-6549-8EC9-8F4580F9D08F}"/>
-              </a:ext>
-            </a:extLst>
-          </p:cNvPr>
-          <p:cNvSpPr/>
-          <p:nvPr/>
-        </p:nvSpPr>
-        <p:spPr>
-          <a:xfrm>
-            <a:off x="478275" y="5413602"/>
-            <a:ext cx="6976590" cy="461665"/>
-          </a:xfrm>
-          <a:prstGeom prst="rect">
-            <a:avLst/>
-          </a:prstGeom>
-        </p:spPr>
-        <p:txBody>
-          <a:bodyPr wrap="none">
-            <a:spAutoFit/>
-          </a:bodyPr>
-          <a:lstStyle/>
-          <a:p>
-            <a:r>
-              <a:rPr lang="en-US" sz="2400" b="1" dirty="0"/>
-              <a:t>Exercise</a:t>
-            </a:r>
-            <a:r>
-              <a:rPr lang="en-US" sz="2400" dirty="0"/>
-              <a:t>: What if all words start with same letter?</a:t>
-            </a:r>
-          </a:p>
-        </p:txBody>
-      </p:sp>
-    </p:spTree>
-    <p:extLst>
-      <p:ext uri="{BB962C8B-B14F-4D97-AF65-F5344CB8AC3E}">
-        <p14:creationId xmlns:p14="http://schemas.microsoft.com/office/powerpoint/2010/main" val="1534136581"/>
+        <p14:creationId xmlns:p14="http://schemas.microsoft.com/office/powerpoint/2010/main" val="1637123344"/>
       </p:ext>
     </p:extLst>
   </p:cSld>
@@ -6921,14 +5221,12 @@
           </a:p>
           <a:p>
             <a:r>
+              <a:rPr lang="en-US" dirty="0" err="1"/>
+              <a:t>eonhole</a:t>
+            </a:r>
+            <a:r>
               <a:rPr lang="en-US" dirty="0"/>
-              <a:t>Dirty tricks: pigeonhole sort, bucket sort can often sort in O(n)</a:t>
-            </a:r>
-          </a:p>
-          <a:p>
-            <a:r>
-              <a:rPr lang="en-US" dirty="0"/>
-              <a:t>Really dirty trick: nested bucket sort</a:t>
+              <a:t> sort, bucket sort can often sort in O(n)</a:t>
             </a:r>
           </a:p>
           <a:p>
@@ -6951,22 +5249,6 @@
               <a:rPr lang="en-US" dirty="0"/>
               <a:t>It depends on whether we’re stuck using comparisons only</a:t>
             </a:r>
-          </a:p>
-          <a:p>
-            <a:r>
-              <a:rPr lang="en-US" dirty="0"/>
-              <a:t>Sorting notebook </a:t>
-            </a:r>
-            <a:r>
-              <a:rPr lang="en-US" dirty="0">
-                <a:hlinkClick r:id="rId2"/>
-              </a:rPr>
-              <a:t>https://github.com/USFCA-MSDS/msds689/blob/master/notes/sorting.ipynb</a:t>
-            </a:r>
-            <a:endParaRPr lang="en-US" dirty="0"/>
-          </a:p>
-          <a:p>
-            <a:endParaRPr lang="en-US" dirty="0"/>
           </a:p>
         </p:txBody>
       </p:sp>
@@ -7015,350 +5297,6 @@
     <p:extLst>
       <p:ext uri="{BB962C8B-B14F-4D97-AF65-F5344CB8AC3E}">
         <p14:creationId xmlns:p14="http://schemas.microsoft.com/office/powerpoint/2010/main" val="3002228280"/>
-      </p:ext>
-    </p:extLst>
-  </p:cSld>
-  <p:clrMapOvr>
-    <a:masterClrMapping/>
-  </p:clrMapOvr>
-</p:sld>
-</file>
-
-<file path=ppt/slides/slide20.xml><?xml version="1.0" encoding="utf-8"?>
-<p:sld xmlns:a="http://schemas.openxmlformats.org/drawingml/2006/main" xmlns:r="http://schemas.openxmlformats.org/officeDocument/2006/relationships" xmlns:p="http://schemas.openxmlformats.org/presentationml/2006/main">
-  <p:cSld>
-    <p:spTree>
-      <p:nvGrpSpPr>
-        <p:cNvPr id="1" name=""/>
-        <p:cNvGrpSpPr/>
-        <p:nvPr/>
-      </p:nvGrpSpPr>
-      <p:grpSpPr>
-        <a:xfrm>
-          <a:off x="0" y="0"/>
-          <a:ext cx="0" cy="0"/>
-          <a:chOff x="0" y="0"/>
-          <a:chExt cx="0" cy="0"/>
-        </a:xfrm>
-      </p:grpSpPr>
-      <p:sp>
-        <p:nvSpPr>
-          <p:cNvPr id="2" name="Title 1">
-            <a:extLst>
-              <a:ext uri="{FF2B5EF4-FFF2-40B4-BE49-F238E27FC236}">
-                <a16:creationId xmlns:a16="http://schemas.microsoft.com/office/drawing/2014/main" id="{EDD7B449-10BC-684B-ADCB-D32CD7FAD8CA}"/>
-              </a:ext>
-            </a:extLst>
-          </p:cNvPr>
-          <p:cNvSpPr>
-            <a:spLocks noGrp="1"/>
-          </p:cNvSpPr>
-          <p:nvPr>
-            <p:ph type="title"/>
-          </p:nvPr>
-        </p:nvSpPr>
-        <p:spPr>
-          <a:xfrm>
-            <a:off x="838200" y="365125"/>
-            <a:ext cx="10708532" cy="1325563"/>
-          </a:xfrm>
-        </p:spPr>
-        <p:txBody>
-          <a:bodyPr/>
-          <a:lstStyle/>
-          <a:p>
-            <a:r>
-              <a:rPr lang="en-US" dirty="0"/>
-              <a:t>Nested or recursive string bucket sort</a:t>
-            </a:r>
-            <a:br>
-              <a:rPr lang="en-US" dirty="0"/>
-            </a:br>
-            <a:r>
-              <a:rPr lang="en-US" sz="2200" i="1" dirty="0"/>
-              <a:t>(Called TRIEs and we’ll see again)</a:t>
-            </a:r>
-          </a:p>
-        </p:txBody>
-      </p:sp>
-      <p:sp>
-        <p:nvSpPr>
-          <p:cNvPr id="3" name="Content Placeholder 2">
-            <a:extLst>
-              <a:ext uri="{FF2B5EF4-FFF2-40B4-BE49-F238E27FC236}">
-                <a16:creationId xmlns:a16="http://schemas.microsoft.com/office/drawing/2014/main" id="{F0B3DDEA-903D-C342-B00C-0D8860C26AC0}"/>
-              </a:ext>
-            </a:extLst>
-          </p:cNvPr>
-          <p:cNvSpPr>
-            <a:spLocks noGrp="1"/>
-          </p:cNvSpPr>
-          <p:nvPr>
-            <p:ph idx="1"/>
-          </p:nvPr>
-        </p:nvSpPr>
-        <p:spPr>
-          <a:xfrm>
-            <a:off x="838200" y="1825625"/>
-            <a:ext cx="5913329" cy="4351338"/>
-          </a:xfrm>
-        </p:spPr>
-        <p:txBody>
-          <a:bodyPr>
-            <a:normAutofit/>
-          </a:bodyPr>
-          <a:lstStyle/>
-          <a:p>
-            <a:r>
-              <a:rPr lang="en-US" dirty="0"/>
-              <a:t>Nested indexes based upon s[</a:t>
-            </a:r>
-            <a:r>
-              <a:rPr lang="en-US" dirty="0" err="1"/>
-              <a:t>i</a:t>
-            </a:r>
-            <a:r>
-              <a:rPr lang="en-US" dirty="0"/>
-              <a:t>]</a:t>
-            </a:r>
-          </a:p>
-          <a:p>
-            <a:r>
-              <a:rPr lang="en-US" dirty="0"/>
-              <a:t>With nesting k deep, words are</a:t>
-            </a:r>
-            <a:br>
-              <a:rPr lang="en-US" dirty="0"/>
-            </a:br>
-            <a:r>
-              <a:rPr lang="en-US" dirty="0"/>
-              <a:t>sorted uniquely to first k letters,</a:t>
-            </a:r>
-            <a:br>
-              <a:rPr lang="en-US" dirty="0"/>
-            </a:br>
-            <a:r>
-              <a:rPr lang="en-US" dirty="0"/>
-              <a:t>giving nested bucket sort</a:t>
-            </a:r>
-          </a:p>
-          <a:p>
-            <a:r>
-              <a:rPr lang="en-US" dirty="0"/>
-              <a:t>Nested dynamically to full </a:t>
-            </a:r>
-            <a:r>
-              <a:rPr lang="en-US" dirty="0" err="1"/>
-              <a:t>len</a:t>
-            </a:r>
-            <a:br>
-              <a:rPr lang="en-US" dirty="0"/>
-            </a:br>
-            <a:r>
-              <a:rPr lang="en-US" dirty="0"/>
-              <a:t>of string gives nested pigeonhole</a:t>
-            </a:r>
-            <a:br>
-              <a:rPr lang="en-US" dirty="0"/>
-            </a:br>
-            <a:r>
-              <a:rPr lang="en-US" dirty="0"/>
-              <a:t>sort</a:t>
-            </a:r>
-          </a:p>
-          <a:p>
-            <a:r>
-              <a:rPr lang="en-US" dirty="0"/>
-              <a:t>Walk all edges in alpha order</a:t>
-            </a:r>
-            <a:br>
-              <a:rPr lang="en-US" dirty="0"/>
-            </a:br>
-            <a:r>
-              <a:rPr lang="en-US" dirty="0"/>
-              <a:t>to collect words in leaves</a:t>
-            </a:r>
-          </a:p>
-        </p:txBody>
-      </p:sp>
-      <p:pic>
-        <p:nvPicPr>
-          <p:cNvPr id="4" name="Picture 3">
-            <a:extLst>
-              <a:ext uri="{FF2B5EF4-FFF2-40B4-BE49-F238E27FC236}">
-                <a16:creationId xmlns:a16="http://schemas.microsoft.com/office/drawing/2014/main" id="{0C41CE41-DC8A-3D4C-9B23-CB9A1512D635}"/>
-              </a:ext>
-            </a:extLst>
-          </p:cNvPr>
-          <p:cNvPicPr>
-            <a:picLocks noChangeAspect="1"/>
-          </p:cNvPicPr>
-          <p:nvPr/>
-        </p:nvPicPr>
-        <p:blipFill>
-          <a:blip r:embed="rId2"/>
-          <a:stretch>
-            <a:fillRect/>
-          </a:stretch>
-        </p:blipFill>
-        <p:spPr>
-          <a:xfrm>
-            <a:off x="6309288" y="1690688"/>
-            <a:ext cx="5719640" cy="3935379"/>
-          </a:xfrm>
-          <a:prstGeom prst="rect">
-            <a:avLst/>
-          </a:prstGeom>
-        </p:spPr>
-      </p:pic>
-    </p:spTree>
-    <p:extLst>
-      <p:ext uri="{BB962C8B-B14F-4D97-AF65-F5344CB8AC3E}">
-        <p14:creationId xmlns:p14="http://schemas.microsoft.com/office/powerpoint/2010/main" val="3599859593"/>
-      </p:ext>
-    </p:extLst>
-  </p:cSld>
-  <p:clrMapOvr>
-    <a:masterClrMapping/>
-  </p:clrMapOvr>
-</p:sld>
-</file>
-
-<file path=ppt/slides/slide21.xml><?xml version="1.0" encoding="utf-8"?>
-<p:sld xmlns:a="http://schemas.openxmlformats.org/drawingml/2006/main" xmlns:r="http://schemas.openxmlformats.org/officeDocument/2006/relationships" xmlns:p="http://schemas.openxmlformats.org/presentationml/2006/main">
-  <p:cSld>
-    <p:spTree>
-      <p:nvGrpSpPr>
-        <p:cNvPr id="1" name=""/>
-        <p:cNvGrpSpPr/>
-        <p:nvPr/>
-      </p:nvGrpSpPr>
-      <p:grpSpPr>
-        <a:xfrm>
-          <a:off x="0" y="0"/>
-          <a:ext cx="0" cy="0"/>
-          <a:chOff x="0" y="0"/>
-          <a:chExt cx="0" cy="0"/>
-        </a:xfrm>
-      </p:grpSpPr>
-      <p:sp>
-        <p:nvSpPr>
-          <p:cNvPr id="2" name="Title 1">
-            <a:extLst>
-              <a:ext uri="{FF2B5EF4-FFF2-40B4-BE49-F238E27FC236}">
-                <a16:creationId xmlns:a16="http://schemas.microsoft.com/office/drawing/2014/main" id="{F0447EFA-2E53-D34A-BCEE-17B93844FBC5}"/>
-              </a:ext>
-            </a:extLst>
-          </p:cNvPr>
-          <p:cNvSpPr>
-            <a:spLocks noGrp="1"/>
-          </p:cNvSpPr>
-          <p:nvPr>
-            <p:ph type="title"/>
-          </p:nvPr>
-        </p:nvSpPr>
-        <p:spPr/>
-        <p:txBody>
-          <a:bodyPr/>
-          <a:lstStyle/>
-          <a:p>
-            <a:r>
-              <a:rPr lang="en-US" dirty="0"/>
-              <a:t>Summary</a:t>
-            </a:r>
-          </a:p>
-        </p:txBody>
-      </p:sp>
-      <p:sp>
-        <p:nvSpPr>
-          <p:cNvPr id="3" name="Content Placeholder 2">
-            <a:extLst>
-              <a:ext uri="{FF2B5EF4-FFF2-40B4-BE49-F238E27FC236}">
-                <a16:creationId xmlns:a16="http://schemas.microsoft.com/office/drawing/2014/main" id="{4FD4FB41-6B9C-9246-B33F-7B7BE6CD439A}"/>
-              </a:ext>
-            </a:extLst>
-          </p:cNvPr>
-          <p:cNvSpPr>
-            <a:spLocks noGrp="1"/>
-          </p:cNvSpPr>
-          <p:nvPr>
-            <p:ph idx="1"/>
-          </p:nvPr>
-        </p:nvSpPr>
-        <p:spPr/>
-        <p:txBody>
-          <a:bodyPr>
-            <a:normAutofit fontScale="92500" lnSpcReduction="10000"/>
-          </a:bodyPr>
-          <a:lstStyle/>
-          <a:p>
-            <a:r>
-              <a:rPr lang="en-US" dirty="0"/>
-              <a:t>If asked, sorting is O(n log n) (via comparisons)</a:t>
-            </a:r>
-          </a:p>
-          <a:p>
-            <a:r>
-              <a:rPr lang="en-US" dirty="0"/>
-              <a:t>Divide and conquer, merge and quicksort, are primary algorithms</a:t>
-            </a:r>
-          </a:p>
-          <a:p>
-            <a:pPr lvl="1"/>
-            <a:r>
-              <a:rPr lang="en-US" dirty="0" err="1"/>
-              <a:t>Mergesort</a:t>
-            </a:r>
-            <a:r>
-              <a:rPr lang="en-US" dirty="0"/>
-              <a:t> merges two sorted halves recursively; takes extra memory</a:t>
-            </a:r>
-          </a:p>
-          <a:p>
-            <a:pPr lvl="1"/>
-            <a:r>
-              <a:rPr lang="en-US" dirty="0"/>
-              <a:t>Quicksort partitions instead of sorting halves; works in-place (usually better)</a:t>
-            </a:r>
-          </a:p>
-          <a:p>
-            <a:r>
-              <a:rPr lang="en-US" dirty="0"/>
-              <a:t>But, we can do better with pigeonhole sort, mapping each element to unique bucket based on the key; O(n)</a:t>
-            </a:r>
-          </a:p>
-          <a:p>
-            <a:r>
-              <a:rPr lang="en-US" dirty="0"/>
-              <a:t>If mapping to unique bucket is hard, as with floating-point numbers, use bin/bucket sort like a hash table; O(n) if reasonably evenly distributed and enough buckets</a:t>
-            </a:r>
-          </a:p>
-          <a:p>
-            <a:r>
-              <a:rPr lang="en-US" dirty="0"/>
-              <a:t>Use </a:t>
-            </a:r>
-            <a:r>
-              <a:rPr lang="en-US" dirty="0" err="1"/>
-              <a:t>ord</a:t>
-            </a:r>
-            <a:r>
-              <a:rPr lang="en-US" dirty="0"/>
-              <a:t>(char) for strings to bucket sort</a:t>
-            </a:r>
-          </a:p>
-          <a:p>
-            <a:r>
-              <a:rPr lang="en-US" dirty="0"/>
-              <a:t>Use all letters in strings to get nested bucket sort (called a TRIE)</a:t>
-            </a:r>
-          </a:p>
-        </p:txBody>
-      </p:sp>
-    </p:spTree>
-    <p:extLst>
-      <p:ext uri="{BB962C8B-B14F-4D97-AF65-F5344CB8AC3E}">
-        <p14:creationId xmlns:p14="http://schemas.microsoft.com/office/powerpoint/2010/main" val="1637123344"/>
       </p:ext>
     </p:extLst>
   </p:cSld>
